--- a/Google Cloud overview and setup.pptx
+++ b/Google Cloud overview and setup.pptx
@@ -5,10 +5,10 @@
     <p:sldMasterId id="2147483855" r:id="rId4"/>
   </p:sldMasterIdLst>
   <p:notesMasterIdLst>
-    <p:notesMasterId r:id="rId18"/>
+    <p:notesMasterId r:id="rId19"/>
   </p:notesMasterIdLst>
   <p:handoutMasterIdLst>
-    <p:handoutMasterId r:id="rId19"/>
+    <p:handoutMasterId r:id="rId20"/>
   </p:handoutMasterIdLst>
   <p:sldIdLst>
     <p:sldId id="451" r:id="rId5"/>
@@ -22,13 +22,14 @@
     <p:sldId id="589" r:id="rId13"/>
     <p:sldId id="590" r:id="rId14"/>
     <p:sldId id="591" r:id="rId15"/>
-    <p:sldId id="585" r:id="rId16"/>
-    <p:sldId id="557" r:id="rId17"/>
+    <p:sldId id="592" r:id="rId16"/>
+    <p:sldId id="585" r:id="rId17"/>
+    <p:sldId id="557" r:id="rId18"/>
   </p:sldIdLst>
   <p:sldSz cx="12192000" cy="6858000"/>
   <p:notesSz cx="6858000" cy="9144000"/>
   <p:custDataLst>
-    <p:tags r:id="rId20"/>
+    <p:tags r:id="rId21"/>
   </p:custDataLst>
   <p:defaultTextStyle>
     <a:defPPr>
@@ -1599,6 +1600,13 @@
         </dgm:presLayoutVars>
       </dgm:prSet>
       <dgm:spPr/>
+      <dgm:t>
+        <a:bodyPr/>
+        <a:lstStyle/>
+        <a:p>
+          <a:endParaRPr lang="en-GB"/>
+        </a:p>
+      </dgm:t>
     </dgm:pt>
     <dgm:pt modelId="{126C5EE7-3884-4C53-B72F-02FB29D71788}" type="pres">
       <dgm:prSet presAssocID="{D464B7B5-2494-4CB8-ABEE-F86720815397}" presName="node" presStyleLbl="node1" presStyleIdx="0" presStyleCnt="7">
@@ -1607,14 +1615,35 @@
         </dgm:presLayoutVars>
       </dgm:prSet>
       <dgm:spPr/>
+      <dgm:t>
+        <a:bodyPr/>
+        <a:lstStyle/>
+        <a:p>
+          <a:endParaRPr lang="en-GB"/>
+        </a:p>
+      </dgm:t>
     </dgm:pt>
     <dgm:pt modelId="{928B6F62-5F45-4FCD-B2B4-EEE6B51C6C7B}" type="pres">
       <dgm:prSet presAssocID="{8CDBA20E-E708-4E9C-B18A-A29733280E9B}" presName="sibTrans" presStyleLbl="sibTrans1D1" presStyleIdx="0" presStyleCnt="6"/>
       <dgm:spPr/>
+      <dgm:t>
+        <a:bodyPr/>
+        <a:lstStyle/>
+        <a:p>
+          <a:endParaRPr lang="en-GB"/>
+        </a:p>
+      </dgm:t>
     </dgm:pt>
     <dgm:pt modelId="{AE2C9B0E-13B3-409A-9406-96CFC482BB7A}" type="pres">
       <dgm:prSet presAssocID="{8CDBA20E-E708-4E9C-B18A-A29733280E9B}" presName="connectorText" presStyleLbl="sibTrans1D1" presStyleIdx="0" presStyleCnt="6"/>
       <dgm:spPr/>
+      <dgm:t>
+        <a:bodyPr/>
+        <a:lstStyle/>
+        <a:p>
+          <a:endParaRPr lang="en-GB"/>
+        </a:p>
+      </dgm:t>
     </dgm:pt>
     <dgm:pt modelId="{7DF572A1-A510-4D2F-8789-38A821CB58A8}" type="pres">
       <dgm:prSet presAssocID="{ECEB5F79-A608-4FEF-B878-2200DD6F3FE0}" presName="node" presStyleLbl="node1" presStyleIdx="1" presStyleCnt="7">
@@ -1623,14 +1652,35 @@
         </dgm:presLayoutVars>
       </dgm:prSet>
       <dgm:spPr/>
+      <dgm:t>
+        <a:bodyPr/>
+        <a:lstStyle/>
+        <a:p>
+          <a:endParaRPr lang="en-GB"/>
+        </a:p>
+      </dgm:t>
     </dgm:pt>
     <dgm:pt modelId="{D7D8831D-ADD2-4CE1-9E9A-613F39DEE968}" type="pres">
       <dgm:prSet presAssocID="{5A55541B-164F-449E-A726-6A5AC49475C0}" presName="sibTrans" presStyleLbl="sibTrans1D1" presStyleIdx="1" presStyleCnt="6"/>
       <dgm:spPr/>
+      <dgm:t>
+        <a:bodyPr/>
+        <a:lstStyle/>
+        <a:p>
+          <a:endParaRPr lang="en-GB"/>
+        </a:p>
+      </dgm:t>
     </dgm:pt>
     <dgm:pt modelId="{4617ADAB-2DB4-4B50-BBEC-2DB78F3915DE}" type="pres">
       <dgm:prSet presAssocID="{5A55541B-164F-449E-A726-6A5AC49475C0}" presName="connectorText" presStyleLbl="sibTrans1D1" presStyleIdx="1" presStyleCnt="6"/>
       <dgm:spPr/>
+      <dgm:t>
+        <a:bodyPr/>
+        <a:lstStyle/>
+        <a:p>
+          <a:endParaRPr lang="en-GB"/>
+        </a:p>
+      </dgm:t>
     </dgm:pt>
     <dgm:pt modelId="{617AF7DD-D1DC-4201-8F77-05C4D286A57A}" type="pres">
       <dgm:prSet presAssocID="{86555BAB-B248-40FA-9049-408F6F561DF9}" presName="node" presStyleLbl="node1" presStyleIdx="2" presStyleCnt="7">
@@ -1639,14 +1689,35 @@
         </dgm:presLayoutVars>
       </dgm:prSet>
       <dgm:spPr/>
+      <dgm:t>
+        <a:bodyPr/>
+        <a:lstStyle/>
+        <a:p>
+          <a:endParaRPr lang="en-GB"/>
+        </a:p>
+      </dgm:t>
     </dgm:pt>
     <dgm:pt modelId="{FB1DFAAA-4242-4C94-81AF-49F3A6986899}" type="pres">
       <dgm:prSet presAssocID="{48975589-9DF1-4180-89DE-1C5EED4FDE22}" presName="sibTrans" presStyleLbl="sibTrans1D1" presStyleIdx="2" presStyleCnt="6"/>
       <dgm:spPr/>
+      <dgm:t>
+        <a:bodyPr/>
+        <a:lstStyle/>
+        <a:p>
+          <a:endParaRPr lang="en-GB"/>
+        </a:p>
+      </dgm:t>
     </dgm:pt>
     <dgm:pt modelId="{6573BAF4-1D1D-4F94-B7E4-D8D37A359CA6}" type="pres">
       <dgm:prSet presAssocID="{48975589-9DF1-4180-89DE-1C5EED4FDE22}" presName="connectorText" presStyleLbl="sibTrans1D1" presStyleIdx="2" presStyleCnt="6"/>
       <dgm:spPr/>
+      <dgm:t>
+        <a:bodyPr/>
+        <a:lstStyle/>
+        <a:p>
+          <a:endParaRPr lang="en-GB"/>
+        </a:p>
+      </dgm:t>
     </dgm:pt>
     <dgm:pt modelId="{3F7557E7-3162-42C6-8B38-F26355285C38}" type="pres">
       <dgm:prSet presAssocID="{501D079F-5383-4D1B-83B4-5DDDE6E6407B}" presName="node" presStyleLbl="node1" presStyleIdx="3" presStyleCnt="7">
@@ -1655,14 +1726,35 @@
         </dgm:presLayoutVars>
       </dgm:prSet>
       <dgm:spPr/>
+      <dgm:t>
+        <a:bodyPr/>
+        <a:lstStyle/>
+        <a:p>
+          <a:endParaRPr lang="en-GB"/>
+        </a:p>
+      </dgm:t>
     </dgm:pt>
     <dgm:pt modelId="{E47E7EE9-88DE-4B57-95A5-00F3049B3C40}" type="pres">
       <dgm:prSet presAssocID="{4B9914F1-EC1F-4FF1-9074-1971F25F82D2}" presName="sibTrans" presStyleLbl="sibTrans1D1" presStyleIdx="3" presStyleCnt="6"/>
       <dgm:spPr/>
+      <dgm:t>
+        <a:bodyPr/>
+        <a:lstStyle/>
+        <a:p>
+          <a:endParaRPr lang="en-GB"/>
+        </a:p>
+      </dgm:t>
     </dgm:pt>
     <dgm:pt modelId="{6577652B-4801-4955-ABA6-6146CF2B2801}" type="pres">
       <dgm:prSet presAssocID="{4B9914F1-EC1F-4FF1-9074-1971F25F82D2}" presName="connectorText" presStyleLbl="sibTrans1D1" presStyleIdx="3" presStyleCnt="6"/>
       <dgm:spPr/>
+      <dgm:t>
+        <a:bodyPr/>
+        <a:lstStyle/>
+        <a:p>
+          <a:endParaRPr lang="en-GB"/>
+        </a:p>
+      </dgm:t>
     </dgm:pt>
     <dgm:pt modelId="{D3AE6EA1-06F9-4F8C-A8C5-56F2FD2A3D6D}" type="pres">
       <dgm:prSet presAssocID="{5CB9C705-E392-47C4-A77B-B998C17BD103}" presName="node" presStyleLbl="node1" presStyleIdx="4" presStyleCnt="7">
@@ -1671,14 +1763,35 @@
         </dgm:presLayoutVars>
       </dgm:prSet>
       <dgm:spPr/>
+      <dgm:t>
+        <a:bodyPr/>
+        <a:lstStyle/>
+        <a:p>
+          <a:endParaRPr lang="en-GB"/>
+        </a:p>
+      </dgm:t>
     </dgm:pt>
     <dgm:pt modelId="{BFC5C781-0C27-499A-ABF4-C399EDB1B719}" type="pres">
       <dgm:prSet presAssocID="{A35D214E-708B-4CF7-968F-68E8D9D83A20}" presName="sibTrans" presStyleLbl="sibTrans1D1" presStyleIdx="4" presStyleCnt="6"/>
       <dgm:spPr/>
+      <dgm:t>
+        <a:bodyPr/>
+        <a:lstStyle/>
+        <a:p>
+          <a:endParaRPr lang="en-GB"/>
+        </a:p>
+      </dgm:t>
     </dgm:pt>
     <dgm:pt modelId="{E4F4781B-A8D6-47E2-96B1-E447643D39C2}" type="pres">
       <dgm:prSet presAssocID="{A35D214E-708B-4CF7-968F-68E8D9D83A20}" presName="connectorText" presStyleLbl="sibTrans1D1" presStyleIdx="4" presStyleCnt="6"/>
       <dgm:spPr/>
+      <dgm:t>
+        <a:bodyPr/>
+        <a:lstStyle/>
+        <a:p>
+          <a:endParaRPr lang="en-GB"/>
+        </a:p>
+      </dgm:t>
     </dgm:pt>
     <dgm:pt modelId="{E46D92A7-A50E-41B2-8643-D5E1E80273E4}" type="pres">
       <dgm:prSet presAssocID="{7776A521-B09E-4A4D-A2BE-1BEC27AAC380}" presName="node" presStyleLbl="node1" presStyleIdx="5" presStyleCnt="7">
@@ -1687,14 +1800,35 @@
         </dgm:presLayoutVars>
       </dgm:prSet>
       <dgm:spPr/>
+      <dgm:t>
+        <a:bodyPr/>
+        <a:lstStyle/>
+        <a:p>
+          <a:endParaRPr lang="en-GB"/>
+        </a:p>
+      </dgm:t>
     </dgm:pt>
     <dgm:pt modelId="{2D6B2150-7537-4CC4-ACC1-1355D56460E2}" type="pres">
       <dgm:prSet presAssocID="{5CF11CD2-DC12-47A8-B3CA-6E169AB9B163}" presName="sibTrans" presStyleLbl="sibTrans1D1" presStyleIdx="5" presStyleCnt="6"/>
       <dgm:spPr/>
+      <dgm:t>
+        <a:bodyPr/>
+        <a:lstStyle/>
+        <a:p>
+          <a:endParaRPr lang="en-GB"/>
+        </a:p>
+      </dgm:t>
     </dgm:pt>
     <dgm:pt modelId="{E57A96AB-1A6E-4664-ADB5-93E0387D6AE5}" type="pres">
       <dgm:prSet presAssocID="{5CF11CD2-DC12-47A8-B3CA-6E169AB9B163}" presName="connectorText" presStyleLbl="sibTrans1D1" presStyleIdx="5" presStyleCnt="6"/>
       <dgm:spPr/>
+      <dgm:t>
+        <a:bodyPr/>
+        <a:lstStyle/>
+        <a:p>
+          <a:endParaRPr lang="en-GB"/>
+        </a:p>
+      </dgm:t>
     </dgm:pt>
     <dgm:pt modelId="{C9D3788A-2EDE-44A2-9ED5-4575D714E7A0}" type="pres">
       <dgm:prSet presAssocID="{0D071067-0114-4BD7-AFE1-4006032524AB}" presName="node" presStyleLbl="node1" presStyleIdx="6" presStyleCnt="7">
@@ -1703,36 +1837,43 @@
         </dgm:presLayoutVars>
       </dgm:prSet>
       <dgm:spPr/>
+      <dgm:t>
+        <a:bodyPr/>
+        <a:lstStyle/>
+        <a:p>
+          <a:endParaRPr lang="en-GB"/>
+        </a:p>
+      </dgm:t>
     </dgm:pt>
   </dgm:ptLst>
   <dgm:cxnLst>
+    <dgm:cxn modelId="{80AD755B-D328-4271-8C58-EA3D69E89AAC}" type="presOf" srcId="{0D071067-0114-4BD7-AFE1-4006032524AB}" destId="{C9D3788A-2EDE-44A2-9ED5-4575D714E7A0}" srcOrd="0" destOrd="0" presId="urn:microsoft.com/office/officeart/2016/7/layout/RepeatingBendingProcessNew"/>
+    <dgm:cxn modelId="{419A35A6-33CA-4D85-A964-701D2881EE71}" srcId="{66FA3760-10A4-45C0-91A6-CB8288605E65}" destId="{D464B7B5-2494-4CB8-ABEE-F86720815397}" srcOrd="0" destOrd="0" parTransId="{C2C70E89-F499-4EC8-BBE9-9337DF1F97A5}" sibTransId="{8CDBA20E-E708-4E9C-B18A-A29733280E9B}"/>
+    <dgm:cxn modelId="{B7F4ADF9-966B-4AAE-A0D6-8E907A63955D}" type="presOf" srcId="{66FA3760-10A4-45C0-91A6-CB8288605E65}" destId="{A2FD7568-979A-4DD9-8A7F-56E8C50E125D}" srcOrd="0" destOrd="0" presId="urn:microsoft.com/office/officeart/2016/7/layout/RepeatingBendingProcessNew"/>
+    <dgm:cxn modelId="{E4F6138B-6415-4D09-894B-1BB45E247685}" srcId="{66FA3760-10A4-45C0-91A6-CB8288605E65}" destId="{7776A521-B09E-4A4D-A2BE-1BEC27AAC380}" srcOrd="5" destOrd="0" parTransId="{29E681AD-94C1-48A3-AF0F-58CF07681551}" sibTransId="{5CF11CD2-DC12-47A8-B3CA-6E169AB9B163}"/>
+    <dgm:cxn modelId="{3709A808-AAA7-4687-AAAE-D1A856B7D415}" type="presOf" srcId="{5CF11CD2-DC12-47A8-B3CA-6E169AB9B163}" destId="{E57A96AB-1A6E-4664-ADB5-93E0387D6AE5}" srcOrd="1" destOrd="0" presId="urn:microsoft.com/office/officeart/2016/7/layout/RepeatingBendingProcessNew"/>
+    <dgm:cxn modelId="{63EF1AB1-ABF3-4C51-8F60-30A084B3FBE4}" type="presOf" srcId="{8CDBA20E-E708-4E9C-B18A-A29733280E9B}" destId="{928B6F62-5F45-4FCD-B2B4-EEE6B51C6C7B}" srcOrd="0" destOrd="0" presId="urn:microsoft.com/office/officeart/2016/7/layout/RepeatingBendingProcessNew"/>
+    <dgm:cxn modelId="{223001C7-55F5-49A9-82D6-EEFD188CB5A6}" type="presOf" srcId="{501D079F-5383-4D1B-83B4-5DDDE6E6407B}" destId="{3F7557E7-3162-42C6-8B38-F26355285C38}" srcOrd="0" destOrd="0" presId="urn:microsoft.com/office/officeart/2016/7/layout/RepeatingBendingProcessNew"/>
+    <dgm:cxn modelId="{6D978D1D-C60D-4813-A915-9A60CBEDA380}" type="presOf" srcId="{4B9914F1-EC1F-4FF1-9074-1971F25F82D2}" destId="{6577652B-4801-4955-ABA6-6146CF2B2801}" srcOrd="1" destOrd="0" presId="urn:microsoft.com/office/officeart/2016/7/layout/RepeatingBendingProcessNew"/>
+    <dgm:cxn modelId="{3398FFC1-6D82-44E5-8583-B85A7B6476CD}" type="presOf" srcId="{48975589-9DF1-4180-89DE-1C5EED4FDE22}" destId="{6573BAF4-1D1D-4F94-B7E4-D8D37A359CA6}" srcOrd="1" destOrd="0" presId="urn:microsoft.com/office/officeart/2016/7/layout/RepeatingBendingProcessNew"/>
+    <dgm:cxn modelId="{BC43EBB4-5AA3-47D6-B696-0A2A5682935E}" type="presOf" srcId="{4B9914F1-EC1F-4FF1-9074-1971F25F82D2}" destId="{E47E7EE9-88DE-4B57-95A5-00F3049B3C40}" srcOrd="0" destOrd="0" presId="urn:microsoft.com/office/officeart/2016/7/layout/RepeatingBendingProcessNew"/>
+    <dgm:cxn modelId="{F721868C-8FA9-459A-A367-7644207CBD23}" type="presOf" srcId="{D464B7B5-2494-4CB8-ABEE-F86720815397}" destId="{126C5EE7-3884-4C53-B72F-02FB29D71788}" srcOrd="0" destOrd="0" presId="urn:microsoft.com/office/officeart/2016/7/layout/RepeatingBendingProcessNew"/>
+    <dgm:cxn modelId="{3D745626-8CD3-4290-8D92-DEB1A9218232}" srcId="{66FA3760-10A4-45C0-91A6-CB8288605E65}" destId="{ECEB5F79-A608-4FEF-B878-2200DD6F3FE0}" srcOrd="1" destOrd="0" parTransId="{1C286FAE-66FC-4978-A273-F1651D509D0B}" sibTransId="{5A55541B-164F-449E-A726-6A5AC49475C0}"/>
+    <dgm:cxn modelId="{2ACAD950-67EC-4823-B4CA-C31A54DC1822}" type="presOf" srcId="{5CB9C705-E392-47C4-A77B-B998C17BD103}" destId="{D3AE6EA1-06F9-4F8C-A8C5-56F2FD2A3D6D}" srcOrd="0" destOrd="0" presId="urn:microsoft.com/office/officeart/2016/7/layout/RepeatingBendingProcessNew"/>
+    <dgm:cxn modelId="{66779B9C-45A8-4035-A460-FFAAEC39A966}" type="presOf" srcId="{7776A521-B09E-4A4D-A2BE-1BEC27AAC380}" destId="{E46D92A7-A50E-41B2-8643-D5E1E80273E4}" srcOrd="0" destOrd="0" presId="urn:microsoft.com/office/officeart/2016/7/layout/RepeatingBendingProcessNew"/>
+    <dgm:cxn modelId="{3E736302-48B3-4EAA-9B47-3B6A42CB5D0A}" type="presOf" srcId="{5A55541B-164F-449E-A726-6A5AC49475C0}" destId="{4617ADAB-2DB4-4B50-BBEC-2DB78F3915DE}" srcOrd="1" destOrd="0" presId="urn:microsoft.com/office/officeart/2016/7/layout/RepeatingBendingProcessNew"/>
+    <dgm:cxn modelId="{D6AF6FDB-DA65-4F72-92AF-4971DDF2756C}" type="presOf" srcId="{5A55541B-164F-449E-A726-6A5AC49475C0}" destId="{D7D8831D-ADD2-4CE1-9E9A-613F39DEE968}" srcOrd="0" destOrd="0" presId="urn:microsoft.com/office/officeart/2016/7/layout/RepeatingBendingProcessNew"/>
+    <dgm:cxn modelId="{071DF555-161F-4340-8C31-8578FFFC4070}" srcId="{66FA3760-10A4-45C0-91A6-CB8288605E65}" destId="{86555BAB-B248-40FA-9049-408F6F561DF9}" srcOrd="2" destOrd="0" parTransId="{AA077762-B7F4-470B-918D-5321A887B8A9}" sibTransId="{48975589-9DF1-4180-89DE-1C5EED4FDE22}"/>
+    <dgm:cxn modelId="{A456638C-C20B-484B-8CC8-6B89D9097E15}" srcId="{66FA3760-10A4-45C0-91A6-CB8288605E65}" destId="{5CB9C705-E392-47C4-A77B-B998C17BD103}" srcOrd="4" destOrd="0" parTransId="{563C7341-D394-4AA1-B3C6-4FE0619A0320}" sibTransId="{A35D214E-708B-4CF7-968F-68E8D9D83A20}"/>
+    <dgm:cxn modelId="{C387B4FA-C57D-436D-9708-B9036426D39B}" type="presOf" srcId="{8CDBA20E-E708-4E9C-B18A-A29733280E9B}" destId="{AE2C9B0E-13B3-409A-9406-96CFC482BB7A}" srcOrd="1" destOrd="0" presId="urn:microsoft.com/office/officeart/2016/7/layout/RepeatingBendingProcessNew"/>
+    <dgm:cxn modelId="{195A74DD-21A2-4821-8EF4-CDABF214F37C}" srcId="{66FA3760-10A4-45C0-91A6-CB8288605E65}" destId="{501D079F-5383-4D1B-83B4-5DDDE6E6407B}" srcOrd="3" destOrd="0" parTransId="{1F30F077-E053-4627-B690-6C95059B903A}" sibTransId="{4B9914F1-EC1F-4FF1-9074-1971F25F82D2}"/>
+    <dgm:cxn modelId="{C0676822-E156-43B6-BC6C-69FBD30AABB4}" srcId="{66FA3760-10A4-45C0-91A6-CB8288605E65}" destId="{0D071067-0114-4BD7-AFE1-4006032524AB}" srcOrd="6" destOrd="0" parTransId="{E2854D1C-09D5-4E9D-9ECD-C1ADF446A6F6}" sibTransId="{953F5157-2B3A-43ED-B84E-5403003E3E4E}"/>
+    <dgm:cxn modelId="{BA6B6F06-DE26-445D-AE32-EB69B2ED7984}" type="presOf" srcId="{A35D214E-708B-4CF7-968F-68E8D9D83A20}" destId="{BFC5C781-0C27-499A-ABF4-C399EDB1B719}" srcOrd="0" destOrd="0" presId="urn:microsoft.com/office/officeart/2016/7/layout/RepeatingBendingProcessNew"/>
+    <dgm:cxn modelId="{E19BD79F-775F-452E-9458-A9F07C6329F2}" type="presOf" srcId="{48975589-9DF1-4180-89DE-1C5EED4FDE22}" destId="{FB1DFAAA-4242-4C94-81AF-49F3A6986899}" srcOrd="0" destOrd="0" presId="urn:microsoft.com/office/officeart/2016/7/layout/RepeatingBendingProcessNew"/>
+    <dgm:cxn modelId="{16B9C7FB-D958-4CA9-8B4E-5BCA5FCD3627}" type="presOf" srcId="{86555BAB-B248-40FA-9049-408F6F561DF9}" destId="{617AF7DD-D1DC-4201-8F77-05C4D286A57A}" srcOrd="0" destOrd="0" presId="urn:microsoft.com/office/officeart/2016/7/layout/RepeatingBendingProcessNew"/>
     <dgm:cxn modelId="{D7470700-3175-4E88-9DCC-6DB0AB203C10}" type="presOf" srcId="{A35D214E-708B-4CF7-968F-68E8D9D83A20}" destId="{E4F4781B-A8D6-47E2-96B1-E447643D39C2}" srcOrd="1" destOrd="0" presId="urn:microsoft.com/office/officeart/2016/7/layout/RepeatingBendingProcessNew"/>
-    <dgm:cxn modelId="{3E736302-48B3-4EAA-9B47-3B6A42CB5D0A}" type="presOf" srcId="{5A55541B-164F-449E-A726-6A5AC49475C0}" destId="{4617ADAB-2DB4-4B50-BBEC-2DB78F3915DE}" srcOrd="1" destOrd="0" presId="urn:microsoft.com/office/officeart/2016/7/layout/RepeatingBendingProcessNew"/>
-    <dgm:cxn modelId="{BA6B6F06-DE26-445D-AE32-EB69B2ED7984}" type="presOf" srcId="{A35D214E-708B-4CF7-968F-68E8D9D83A20}" destId="{BFC5C781-0C27-499A-ABF4-C399EDB1B719}" srcOrd="0" destOrd="0" presId="urn:microsoft.com/office/officeart/2016/7/layout/RepeatingBendingProcessNew"/>
-    <dgm:cxn modelId="{3709A808-AAA7-4687-AAAE-D1A856B7D415}" type="presOf" srcId="{5CF11CD2-DC12-47A8-B3CA-6E169AB9B163}" destId="{E57A96AB-1A6E-4664-ADB5-93E0387D6AE5}" srcOrd="1" destOrd="0" presId="urn:microsoft.com/office/officeart/2016/7/layout/RepeatingBendingProcessNew"/>
     <dgm:cxn modelId="{B5445417-6F7A-4D29-943D-F732301B4607}" type="presOf" srcId="{5CF11CD2-DC12-47A8-B3CA-6E169AB9B163}" destId="{2D6B2150-7537-4CC4-ACC1-1355D56460E2}" srcOrd="0" destOrd="0" presId="urn:microsoft.com/office/officeart/2016/7/layout/RepeatingBendingProcessNew"/>
-    <dgm:cxn modelId="{6D978D1D-C60D-4813-A915-9A60CBEDA380}" type="presOf" srcId="{4B9914F1-EC1F-4FF1-9074-1971F25F82D2}" destId="{6577652B-4801-4955-ABA6-6146CF2B2801}" srcOrd="1" destOrd="0" presId="urn:microsoft.com/office/officeart/2016/7/layout/RepeatingBendingProcessNew"/>
-    <dgm:cxn modelId="{C0676822-E156-43B6-BC6C-69FBD30AABB4}" srcId="{66FA3760-10A4-45C0-91A6-CB8288605E65}" destId="{0D071067-0114-4BD7-AFE1-4006032524AB}" srcOrd="6" destOrd="0" parTransId="{E2854D1C-09D5-4E9D-9ECD-C1ADF446A6F6}" sibTransId="{953F5157-2B3A-43ED-B84E-5403003E3E4E}"/>
-    <dgm:cxn modelId="{3D745626-8CD3-4290-8D92-DEB1A9218232}" srcId="{66FA3760-10A4-45C0-91A6-CB8288605E65}" destId="{ECEB5F79-A608-4FEF-B878-2200DD6F3FE0}" srcOrd="1" destOrd="0" parTransId="{1C286FAE-66FC-4978-A273-F1651D509D0B}" sibTransId="{5A55541B-164F-449E-A726-6A5AC49475C0}"/>
-    <dgm:cxn modelId="{80AD755B-D328-4271-8C58-EA3D69E89AAC}" type="presOf" srcId="{0D071067-0114-4BD7-AFE1-4006032524AB}" destId="{C9D3788A-2EDE-44A2-9ED5-4575D714E7A0}" srcOrd="0" destOrd="0" presId="urn:microsoft.com/office/officeart/2016/7/layout/RepeatingBendingProcessNew"/>
-    <dgm:cxn modelId="{2ACAD950-67EC-4823-B4CA-C31A54DC1822}" type="presOf" srcId="{5CB9C705-E392-47C4-A77B-B998C17BD103}" destId="{D3AE6EA1-06F9-4F8C-A8C5-56F2FD2A3D6D}" srcOrd="0" destOrd="0" presId="urn:microsoft.com/office/officeart/2016/7/layout/RepeatingBendingProcessNew"/>
     <dgm:cxn modelId="{58B2A073-2E64-4B01-8717-CD1CC6D99AE8}" type="presOf" srcId="{ECEB5F79-A608-4FEF-B878-2200DD6F3FE0}" destId="{7DF572A1-A510-4D2F-8789-38A821CB58A8}" srcOrd="0" destOrd="0" presId="urn:microsoft.com/office/officeart/2016/7/layout/RepeatingBendingProcessNew"/>
-    <dgm:cxn modelId="{071DF555-161F-4340-8C31-8578FFFC4070}" srcId="{66FA3760-10A4-45C0-91A6-CB8288605E65}" destId="{86555BAB-B248-40FA-9049-408F6F561DF9}" srcOrd="2" destOrd="0" parTransId="{AA077762-B7F4-470B-918D-5321A887B8A9}" sibTransId="{48975589-9DF1-4180-89DE-1C5EED4FDE22}"/>
-    <dgm:cxn modelId="{E4F6138B-6415-4D09-894B-1BB45E247685}" srcId="{66FA3760-10A4-45C0-91A6-CB8288605E65}" destId="{7776A521-B09E-4A4D-A2BE-1BEC27AAC380}" srcOrd="5" destOrd="0" parTransId="{29E681AD-94C1-48A3-AF0F-58CF07681551}" sibTransId="{5CF11CD2-DC12-47A8-B3CA-6E169AB9B163}"/>
-    <dgm:cxn modelId="{A456638C-C20B-484B-8CC8-6B89D9097E15}" srcId="{66FA3760-10A4-45C0-91A6-CB8288605E65}" destId="{5CB9C705-E392-47C4-A77B-B998C17BD103}" srcOrd="4" destOrd="0" parTransId="{563C7341-D394-4AA1-B3C6-4FE0619A0320}" sibTransId="{A35D214E-708B-4CF7-968F-68E8D9D83A20}"/>
-    <dgm:cxn modelId="{F721868C-8FA9-459A-A367-7644207CBD23}" type="presOf" srcId="{D464B7B5-2494-4CB8-ABEE-F86720815397}" destId="{126C5EE7-3884-4C53-B72F-02FB29D71788}" srcOrd="0" destOrd="0" presId="urn:microsoft.com/office/officeart/2016/7/layout/RepeatingBendingProcessNew"/>
-    <dgm:cxn modelId="{66779B9C-45A8-4035-A460-FFAAEC39A966}" type="presOf" srcId="{7776A521-B09E-4A4D-A2BE-1BEC27AAC380}" destId="{E46D92A7-A50E-41B2-8643-D5E1E80273E4}" srcOrd="0" destOrd="0" presId="urn:microsoft.com/office/officeart/2016/7/layout/RepeatingBendingProcessNew"/>
-    <dgm:cxn modelId="{E19BD79F-775F-452E-9458-A9F07C6329F2}" type="presOf" srcId="{48975589-9DF1-4180-89DE-1C5EED4FDE22}" destId="{FB1DFAAA-4242-4C94-81AF-49F3A6986899}" srcOrd="0" destOrd="0" presId="urn:microsoft.com/office/officeart/2016/7/layout/RepeatingBendingProcessNew"/>
-    <dgm:cxn modelId="{419A35A6-33CA-4D85-A964-701D2881EE71}" srcId="{66FA3760-10A4-45C0-91A6-CB8288605E65}" destId="{D464B7B5-2494-4CB8-ABEE-F86720815397}" srcOrd="0" destOrd="0" parTransId="{C2C70E89-F499-4EC8-BBE9-9337DF1F97A5}" sibTransId="{8CDBA20E-E708-4E9C-B18A-A29733280E9B}"/>
-    <dgm:cxn modelId="{63EF1AB1-ABF3-4C51-8F60-30A084B3FBE4}" type="presOf" srcId="{8CDBA20E-E708-4E9C-B18A-A29733280E9B}" destId="{928B6F62-5F45-4FCD-B2B4-EEE6B51C6C7B}" srcOrd="0" destOrd="0" presId="urn:microsoft.com/office/officeart/2016/7/layout/RepeatingBendingProcessNew"/>
-    <dgm:cxn modelId="{BC43EBB4-5AA3-47D6-B696-0A2A5682935E}" type="presOf" srcId="{4B9914F1-EC1F-4FF1-9074-1971F25F82D2}" destId="{E47E7EE9-88DE-4B57-95A5-00F3049B3C40}" srcOrd="0" destOrd="0" presId="urn:microsoft.com/office/officeart/2016/7/layout/RepeatingBendingProcessNew"/>
-    <dgm:cxn modelId="{3398FFC1-6D82-44E5-8583-B85A7B6476CD}" type="presOf" srcId="{48975589-9DF1-4180-89DE-1C5EED4FDE22}" destId="{6573BAF4-1D1D-4F94-B7E4-D8D37A359CA6}" srcOrd="1" destOrd="0" presId="urn:microsoft.com/office/officeart/2016/7/layout/RepeatingBendingProcessNew"/>
-    <dgm:cxn modelId="{223001C7-55F5-49A9-82D6-EEFD188CB5A6}" type="presOf" srcId="{501D079F-5383-4D1B-83B4-5DDDE6E6407B}" destId="{3F7557E7-3162-42C6-8B38-F26355285C38}" srcOrd="0" destOrd="0" presId="urn:microsoft.com/office/officeart/2016/7/layout/RepeatingBendingProcessNew"/>
-    <dgm:cxn modelId="{D6AF6FDB-DA65-4F72-92AF-4971DDF2756C}" type="presOf" srcId="{5A55541B-164F-449E-A726-6A5AC49475C0}" destId="{D7D8831D-ADD2-4CE1-9E9A-613F39DEE968}" srcOrd="0" destOrd="0" presId="urn:microsoft.com/office/officeart/2016/7/layout/RepeatingBendingProcessNew"/>
-    <dgm:cxn modelId="{195A74DD-21A2-4821-8EF4-CDABF214F37C}" srcId="{66FA3760-10A4-45C0-91A6-CB8288605E65}" destId="{501D079F-5383-4D1B-83B4-5DDDE6E6407B}" srcOrd="3" destOrd="0" parTransId="{1F30F077-E053-4627-B690-6C95059B903A}" sibTransId="{4B9914F1-EC1F-4FF1-9074-1971F25F82D2}"/>
-    <dgm:cxn modelId="{B7F4ADF9-966B-4AAE-A0D6-8E907A63955D}" type="presOf" srcId="{66FA3760-10A4-45C0-91A6-CB8288605E65}" destId="{A2FD7568-979A-4DD9-8A7F-56E8C50E125D}" srcOrd="0" destOrd="0" presId="urn:microsoft.com/office/officeart/2016/7/layout/RepeatingBendingProcessNew"/>
-    <dgm:cxn modelId="{C387B4FA-C57D-436D-9708-B9036426D39B}" type="presOf" srcId="{8CDBA20E-E708-4E9C-B18A-A29733280E9B}" destId="{AE2C9B0E-13B3-409A-9406-96CFC482BB7A}" srcOrd="1" destOrd="0" presId="urn:microsoft.com/office/officeart/2016/7/layout/RepeatingBendingProcessNew"/>
-    <dgm:cxn modelId="{16B9C7FB-D958-4CA9-8B4E-5BCA5FCD3627}" type="presOf" srcId="{86555BAB-B248-40FA-9049-408F6F561DF9}" destId="{617AF7DD-D1DC-4201-8F77-05C4D286A57A}" srcOrd="0" destOrd="0" presId="urn:microsoft.com/office/officeart/2016/7/layout/RepeatingBendingProcessNew"/>
     <dgm:cxn modelId="{F37243CE-F859-4C5D-A0B1-C6D830E28E72}" type="presParOf" srcId="{A2FD7568-979A-4DD9-8A7F-56E8C50E125D}" destId="{126C5EE7-3884-4C53-B72F-02FB29D71788}" srcOrd="0" destOrd="0" presId="urn:microsoft.com/office/officeart/2016/7/layout/RepeatingBendingProcessNew"/>
     <dgm:cxn modelId="{B06310DD-C456-477C-B5AC-79FB633DB7B9}" type="presParOf" srcId="{A2FD7568-979A-4DD9-8A7F-56E8C50E125D}" destId="{928B6F62-5F45-4FCD-B2B4-EEE6B51C6C7B}" srcOrd="1" destOrd="0" presId="urn:microsoft.com/office/officeart/2016/7/layout/RepeatingBendingProcessNew"/>
     <dgm:cxn modelId="{E26D1628-43E0-4021-90F9-46CCB1EEBE17}" type="presParOf" srcId="{928B6F62-5F45-4FCD-B2B4-EEE6B51C6C7B}" destId="{AE2C9B0E-13B3-409A-9406-96CFC482BB7A}" srcOrd="0" destOrd="0" presId="urn:microsoft.com/office/officeart/2016/7/layout/RepeatingBendingProcessNew"/>
@@ -1832,7 +1973,7 @@
         </a:bodyPr>
         <a:lstStyle/>
         <a:p>
-          <a:pPr marL="0" lvl="0" indent="0" algn="ctr" defTabSz="222250">
+          <a:pPr lvl="0" algn="ctr" defTabSz="222250">
             <a:lnSpc>
               <a:spcPct val="90000"/>
             </a:lnSpc>
@@ -1842,7 +1983,6 @@
             <a:spcAft>
               <a:spcPct val="35000"/>
             </a:spcAft>
-            <a:buNone/>
           </a:pPr>
           <a:endParaRPr lang="en-US" sz="500" kern="1200"/>
         </a:p>
@@ -1907,7 +2047,7 @@
         </a:bodyPr>
         <a:lstStyle/>
         <a:p>
-          <a:pPr marL="0" lvl="0" indent="0" algn="ctr" defTabSz="577850">
+          <a:pPr lvl="0" algn="ctr" defTabSz="577850">
             <a:lnSpc>
               <a:spcPct val="90000"/>
             </a:lnSpc>
@@ -1917,7 +2057,6 @@
             <a:spcAft>
               <a:spcPct val="35000"/>
             </a:spcAft>
-            <a:buNone/>
           </a:pPr>
           <a:r>
             <a:rPr lang="en-US" sz="1300" kern="1200" dirty="0">
@@ -2014,7 +2153,7 @@
         </a:bodyPr>
         <a:lstStyle/>
         <a:p>
-          <a:pPr marL="0" lvl="0" indent="0" algn="ctr" defTabSz="222250">
+          <a:pPr lvl="0" algn="ctr" defTabSz="222250">
             <a:lnSpc>
               <a:spcPct val="90000"/>
             </a:lnSpc>
@@ -2024,7 +2163,6 @@
             <a:spcAft>
               <a:spcPct val="35000"/>
             </a:spcAft>
-            <a:buNone/>
           </a:pPr>
           <a:endParaRPr lang="en-US" sz="500" kern="1200"/>
         </a:p>
@@ -2089,7 +2227,7 @@
         </a:bodyPr>
         <a:lstStyle/>
         <a:p>
-          <a:pPr marL="0" lvl="0" indent="0" algn="ctr" defTabSz="577850">
+          <a:pPr lvl="0" algn="ctr" defTabSz="577850">
             <a:lnSpc>
               <a:spcPct val="90000"/>
             </a:lnSpc>
@@ -2099,7 +2237,6 @@
             <a:spcAft>
               <a:spcPct val="35000"/>
             </a:spcAft>
-            <a:buNone/>
           </a:pPr>
           <a:r>
             <a:rPr lang="en-US" sz="1300" kern="1200" dirty="0">
@@ -2218,7 +2355,7 @@
         </a:bodyPr>
         <a:lstStyle/>
         <a:p>
-          <a:pPr marL="0" lvl="0" indent="0" algn="ctr" defTabSz="222250">
+          <a:pPr lvl="0" algn="ctr" defTabSz="222250">
             <a:lnSpc>
               <a:spcPct val="90000"/>
             </a:lnSpc>
@@ -2228,7 +2365,6 @@
             <a:spcAft>
               <a:spcPct val="35000"/>
             </a:spcAft>
-            <a:buNone/>
           </a:pPr>
           <a:endParaRPr lang="en-US" sz="500" kern="1200"/>
         </a:p>
@@ -2293,7 +2429,7 @@
         </a:bodyPr>
         <a:lstStyle/>
         <a:p>
-          <a:pPr marL="0" lvl="0" indent="0" algn="ctr" defTabSz="577850">
+          <a:pPr lvl="0" algn="ctr" defTabSz="577850">
             <a:lnSpc>
               <a:spcPct val="90000"/>
             </a:lnSpc>
@@ -2303,7 +2439,6 @@
             <a:spcAft>
               <a:spcPct val="35000"/>
             </a:spcAft>
-            <a:buNone/>
           </a:pPr>
           <a:r>
             <a:rPr lang="en-US" sz="1300" kern="1200" dirty="0">
@@ -2414,7 +2549,7 @@
         </a:bodyPr>
         <a:lstStyle/>
         <a:p>
-          <a:pPr marL="0" lvl="0" indent="0" algn="ctr" defTabSz="222250">
+          <a:pPr lvl="0" algn="ctr" defTabSz="222250">
             <a:lnSpc>
               <a:spcPct val="90000"/>
             </a:lnSpc>
@@ -2424,7 +2559,6 @@
             <a:spcAft>
               <a:spcPct val="35000"/>
             </a:spcAft>
-            <a:buNone/>
           </a:pPr>
           <a:endParaRPr lang="en-US" sz="500" kern="1200"/>
         </a:p>
@@ -2489,7 +2623,7 @@
         </a:bodyPr>
         <a:lstStyle/>
         <a:p>
-          <a:pPr marL="0" lvl="0" indent="0" algn="ctr" defTabSz="577850">
+          <a:pPr lvl="0" algn="ctr" defTabSz="577850">
             <a:lnSpc>
               <a:spcPct val="90000"/>
             </a:lnSpc>
@@ -2499,7 +2633,6 @@
             <a:spcAft>
               <a:spcPct val="35000"/>
             </a:spcAft>
-            <a:buNone/>
           </a:pPr>
           <a:r>
             <a:rPr lang="en-US" sz="1300" kern="1200" dirty="0">
@@ -2601,7 +2734,7 @@
         </a:bodyPr>
         <a:lstStyle/>
         <a:p>
-          <a:pPr marL="0" lvl="0" indent="0" algn="ctr" defTabSz="222250">
+          <a:pPr lvl="0" algn="ctr" defTabSz="222250">
             <a:lnSpc>
               <a:spcPct val="90000"/>
             </a:lnSpc>
@@ -2611,7 +2744,6 @@
             <a:spcAft>
               <a:spcPct val="35000"/>
             </a:spcAft>
-            <a:buNone/>
           </a:pPr>
           <a:endParaRPr lang="en-US" sz="500" kern="1200"/>
         </a:p>
@@ -2676,7 +2808,7 @@
         </a:bodyPr>
         <a:lstStyle/>
         <a:p>
-          <a:pPr marL="0" lvl="0" indent="0" algn="ctr" defTabSz="577850">
+          <a:pPr lvl="0" algn="ctr" defTabSz="577850">
             <a:lnSpc>
               <a:spcPct val="90000"/>
             </a:lnSpc>
@@ -2686,7 +2818,6 @@
             <a:spcAft>
               <a:spcPct val="35000"/>
             </a:spcAft>
-            <a:buNone/>
           </a:pPr>
           <a:r>
             <a:rPr lang="en-US" sz="1300" kern="1200" dirty="0">
@@ -2797,7 +2928,7 @@
         </a:bodyPr>
         <a:lstStyle/>
         <a:p>
-          <a:pPr marL="0" lvl="0" indent="0" algn="ctr" defTabSz="222250">
+          <a:pPr lvl="0" algn="ctr" defTabSz="222250">
             <a:lnSpc>
               <a:spcPct val="90000"/>
             </a:lnSpc>
@@ -2807,7 +2938,6 @@
             <a:spcAft>
               <a:spcPct val="35000"/>
             </a:spcAft>
-            <a:buNone/>
           </a:pPr>
           <a:endParaRPr lang="en-US" sz="500" kern="1200"/>
         </a:p>
@@ -2872,7 +3002,7 @@
         </a:bodyPr>
         <a:lstStyle/>
         <a:p>
-          <a:pPr marL="0" lvl="0" indent="0" algn="ctr" defTabSz="577850">
+          <a:pPr lvl="0" algn="ctr" defTabSz="577850">
             <a:lnSpc>
               <a:spcPct val="90000"/>
             </a:lnSpc>
@@ -2882,7 +3012,6 @@
             <a:spcAft>
               <a:spcPct val="35000"/>
             </a:spcAft>
-            <a:buNone/>
           </a:pPr>
           <a:r>
             <a:rPr lang="en-US" sz="1300" kern="1200" dirty="0">
@@ -2953,7 +3082,7 @@
         </a:bodyPr>
         <a:lstStyle/>
         <a:p>
-          <a:pPr marL="0" lvl="0" indent="0" algn="ctr" defTabSz="577850">
+          <a:pPr lvl="0" algn="ctr" defTabSz="577850">
             <a:lnSpc>
               <a:spcPct val="90000"/>
             </a:lnSpc>
@@ -2963,7 +3092,6 @@
             <a:spcAft>
               <a:spcPct val="35000"/>
             </a:spcAft>
-            <a:buNone/>
           </a:pPr>
           <a:r>
             <a:rPr lang="en-US" sz="1300" kern="1200" dirty="0">
@@ -4236,7 +4364,7 @@
           <p:cNvPr id="2" name="Header Placeholder 1">
             <a:extLst>
               <a:ext uri="{FF2B5EF4-FFF2-40B4-BE49-F238E27FC236}">
-                <a16:creationId xmlns:a16="http://schemas.microsoft.com/office/drawing/2014/main" id="{ED8B6225-3E94-4525-8747-A8CEEE07C472}"/>
+                <a16:creationId xmlns:a16="http://schemas.microsoft.com/office/drawing/2014/main" xmlns="" id="{ED8B6225-3E94-4525-8747-A8CEEE07C472}"/>
               </a:ext>
             </a:extLst>
           </p:cNvPr>
@@ -4273,7 +4401,7 @@
           <p:cNvPr id="3" name="Date Placeholder 2">
             <a:extLst>
               <a:ext uri="{FF2B5EF4-FFF2-40B4-BE49-F238E27FC236}">
-                <a16:creationId xmlns:a16="http://schemas.microsoft.com/office/drawing/2014/main" id="{1EE33FD8-B984-44FE-83F0-5C989EE62491}"/>
+                <a16:creationId xmlns:a16="http://schemas.microsoft.com/office/drawing/2014/main" xmlns="" id="{1EE33FD8-B984-44FE-83F0-5C989EE62491}"/>
               </a:ext>
             </a:extLst>
           </p:cNvPr>
@@ -4303,7 +4431,7 @@
           <a:p>
             <a:fld id="{86C988DC-9DE3-4390-97AB-D61B85DACE57}" type="datetimeFigureOut">
               <a:rPr lang="pt-PT" smtClean="0"/>
-              <a:t>22/06/2021</a:t>
+              <a:t>23/06/2021</a:t>
             </a:fld>
             <a:endParaRPr lang="pt-PT"/>
           </a:p>
@@ -4314,7 +4442,7 @@
           <p:cNvPr id="4" name="Footer Placeholder 3">
             <a:extLst>
               <a:ext uri="{FF2B5EF4-FFF2-40B4-BE49-F238E27FC236}">
-                <a16:creationId xmlns:a16="http://schemas.microsoft.com/office/drawing/2014/main" id="{88AD1E4F-EFF7-4551-A0B7-35D2A74F4F4D}"/>
+                <a16:creationId xmlns:a16="http://schemas.microsoft.com/office/drawing/2014/main" xmlns="" id="{88AD1E4F-EFF7-4551-A0B7-35D2A74F4F4D}"/>
               </a:ext>
             </a:extLst>
           </p:cNvPr>
@@ -4351,7 +4479,7 @@
           <p:cNvPr id="5" name="Slide Number Placeholder 4">
             <a:extLst>
               <a:ext uri="{FF2B5EF4-FFF2-40B4-BE49-F238E27FC236}">
-                <a16:creationId xmlns:a16="http://schemas.microsoft.com/office/drawing/2014/main" id="{5C3F35C8-35E9-48DD-971F-B2366CC5B7DE}"/>
+                <a16:creationId xmlns:a16="http://schemas.microsoft.com/office/drawing/2014/main" xmlns="" id="{5C3F35C8-35E9-48DD-971F-B2366CC5B7DE}"/>
               </a:ext>
             </a:extLst>
           </p:cNvPr>
@@ -4480,7 +4608,7 @@
           <a:p>
             <a:fld id="{0835B8F7-DAC4-4931-8AED-4356A8B2FD64}" type="datetimeFigureOut">
               <a:rPr lang="pt-BR" smtClean="0"/>
-              <a:t>22/06/2021</a:t>
+              <a:t>23/06/2021</a:t>
             </a:fld>
             <a:endParaRPr lang="pt-BR"/>
           </a:p>
@@ -4912,7 +5040,7 @@
           <a:p>
             <a:fld id="{C764DE79-268F-4C1A-8933-263129D2AF90}" type="datetimeFigureOut">
               <a:rPr lang="en-US" dirty="0"/>
-              <a:t>6/22/2021</a:t>
+              <a:t>6/23/2021</a:t>
             </a:fld>
             <a:endParaRPr lang="en-US" dirty="0"/>
           </a:p>
@@ -5080,7 +5208,7 @@
           <a:p>
             <a:fld id="{C764DE79-268F-4C1A-8933-263129D2AF90}" type="datetimeFigureOut">
               <a:rPr lang="en-US" dirty="0"/>
-              <a:t>6/22/2021</a:t>
+              <a:t>6/23/2021</a:t>
             </a:fld>
             <a:endParaRPr lang="en-US" dirty="0"/>
           </a:p>
@@ -5258,7 +5386,7 @@
           <a:p>
             <a:fld id="{C764DE79-268F-4C1A-8933-263129D2AF90}" type="datetimeFigureOut">
               <a:rPr lang="en-US" dirty="0"/>
-              <a:t>6/22/2021</a:t>
+              <a:t>6/23/2021</a:t>
             </a:fld>
             <a:endParaRPr lang="en-US" dirty="0"/>
           </a:p>
@@ -5486,7 +5614,7 @@
           <p:cNvPr id="7" name="Graphic 9">
             <a:extLst>
               <a:ext uri="{FF2B5EF4-FFF2-40B4-BE49-F238E27FC236}">
-                <a16:creationId xmlns:a16="http://schemas.microsoft.com/office/drawing/2014/main" id="{C3D2EC56-D17C-4A75-8178-C69397BC7353}"/>
+                <a16:creationId xmlns:a16="http://schemas.microsoft.com/office/drawing/2014/main" xmlns="" id="{C3D2EC56-D17C-4A75-8178-C69397BC7353}"/>
               </a:ext>
             </a:extLst>
           </p:cNvPr>
@@ -5499,7 +5627,7 @@
           <a:blip r:embed="rId2">
             <a:extLst>
               <a:ext uri="{96DAC541-7B7A-43D3-8B79-37D633B846F1}">
-                <asvg:svgBlip xmlns:asvg="http://schemas.microsoft.com/office/drawing/2016/SVG/main" r:embed="rId3"/>
+                <asvg:svgBlip xmlns:asvg="http://schemas.microsoft.com/office/drawing/2016/SVG/main" xmlns="" r:embed="rId3"/>
               </a:ext>
             </a:extLst>
           </a:blip>
@@ -6021,7 +6149,7 @@
           <a:graphicData uri="http://schemas.openxmlformats.org/presentationml/2006/ole">
             <mc:AlternateContent xmlns:mc="http://schemas.openxmlformats.org/markup-compatibility/2006">
               <mc:Choice xmlns:v="urn:schemas-microsoft-com:vml" Requires="v">
-                <p:oleObj spid="_x0000_s14353" name="think-cell Slide" r:id="rId4" imgW="270" imgH="270" progId="TCLayout.ActiveDocument.1">
+                <p:oleObj spid="_x0000_s14354" name="think-cell Slide" r:id="rId4" imgW="270" imgH="270" progId="TCLayout.ActiveDocument.1">
                   <p:embed/>
                 </p:oleObj>
               </mc:Choice>
@@ -6285,7 +6413,7 @@
           <p:cNvPr id="7" name="Text Placeholder 13">
             <a:extLst>
               <a:ext uri="{FF2B5EF4-FFF2-40B4-BE49-F238E27FC236}">
-                <a16:creationId xmlns:a16="http://schemas.microsoft.com/office/drawing/2014/main" id="{5C674D03-4995-4743-8CE4-61CF32CFBDDE}"/>
+                <a16:creationId xmlns:a16="http://schemas.microsoft.com/office/drawing/2014/main" xmlns="" id="{5C674D03-4995-4743-8CE4-61CF32CFBDDE}"/>
               </a:ext>
             </a:extLst>
           </p:cNvPr>
@@ -6345,7 +6473,7 @@
           <p:cNvPr id="5" name="Graphic 9">
             <a:extLst>
               <a:ext uri="{FF2B5EF4-FFF2-40B4-BE49-F238E27FC236}">
-                <a16:creationId xmlns:a16="http://schemas.microsoft.com/office/drawing/2014/main" id="{C3D2EC56-D17C-4A75-8178-C69397BC7353}"/>
+                <a16:creationId xmlns:a16="http://schemas.microsoft.com/office/drawing/2014/main" xmlns="" id="{C3D2EC56-D17C-4A75-8178-C69397BC7353}"/>
               </a:ext>
             </a:extLst>
           </p:cNvPr>
@@ -6358,7 +6486,7 @@
           <a:blip r:embed="rId6">
             <a:extLst>
               <a:ext uri="{96DAC541-7B7A-43D3-8B79-37D633B846F1}">
-                <asvg:svgBlip xmlns:asvg="http://schemas.microsoft.com/office/drawing/2016/SVG/main" r:embed="rId7"/>
+                <asvg:svgBlip xmlns:asvg="http://schemas.microsoft.com/office/drawing/2016/SVG/main" xmlns="" r:embed="rId7"/>
               </a:ext>
             </a:extLst>
           </a:blip>
@@ -6584,7 +6712,7 @@
           <p:cNvPr id="8" name="Picture Placeholder 11">
             <a:extLst>
               <a:ext uri="{FF2B5EF4-FFF2-40B4-BE49-F238E27FC236}">
-                <a16:creationId xmlns:a16="http://schemas.microsoft.com/office/drawing/2014/main" id="{D4E263B9-5E55-409E-9F7C-2F67A89E06AA}"/>
+                <a16:creationId xmlns:a16="http://schemas.microsoft.com/office/drawing/2014/main" xmlns="" id="{D4E263B9-5E55-409E-9F7C-2F67A89E06AA}"/>
               </a:ext>
             </a:extLst>
           </p:cNvPr>
@@ -6627,7 +6755,7 @@
           <p:cNvPr id="7" name="Text Placeholder 13">
             <a:extLst>
               <a:ext uri="{FF2B5EF4-FFF2-40B4-BE49-F238E27FC236}">
-                <a16:creationId xmlns:a16="http://schemas.microsoft.com/office/drawing/2014/main" id="{5C674D03-4995-4743-8CE4-61CF32CFBDDE}"/>
+                <a16:creationId xmlns:a16="http://schemas.microsoft.com/office/drawing/2014/main" xmlns="" id="{5C674D03-4995-4743-8CE4-61CF32CFBDDE}"/>
               </a:ext>
             </a:extLst>
           </p:cNvPr>
@@ -6687,7 +6815,7 @@
           <p:cNvPr id="11" name="Graphic 4">
             <a:extLst>
               <a:ext uri="{FF2B5EF4-FFF2-40B4-BE49-F238E27FC236}">
-                <a16:creationId xmlns:a16="http://schemas.microsoft.com/office/drawing/2014/main" id="{25EEA1D4-3AF7-42D7-AE97-AE404AECFAEB}"/>
+                <a16:creationId xmlns:a16="http://schemas.microsoft.com/office/drawing/2014/main" xmlns="" id="{25EEA1D4-3AF7-42D7-AE97-AE404AECFAEB}"/>
               </a:ext>
             </a:extLst>
           </p:cNvPr>
@@ -6700,7 +6828,7 @@
           <a:blip r:embed="rId2">
             <a:extLst>
               <a:ext uri="{96DAC541-7B7A-43D3-8B79-37D633B846F1}">
-                <asvg:svgBlip xmlns:asvg="http://schemas.microsoft.com/office/drawing/2016/SVG/main" r:embed="rId3"/>
+                <asvg:svgBlip xmlns:asvg="http://schemas.microsoft.com/office/drawing/2016/SVG/main" xmlns="" r:embed="rId3"/>
               </a:ext>
             </a:extLst>
           </a:blip>
@@ -6772,7 +6900,7 @@
           <a:graphicData uri="http://schemas.openxmlformats.org/presentationml/2006/ole">
             <mc:AlternateContent xmlns:mc="http://schemas.openxmlformats.org/markup-compatibility/2006">
               <mc:Choice xmlns:v="urn:schemas-microsoft-com:vml" Requires="v">
-                <p:oleObj spid="_x0000_s16401" name="think-cell Slide" r:id="rId4" imgW="270" imgH="270" progId="TCLayout.ActiveDocument.1">
+                <p:oleObj spid="_x0000_s16402" name="think-cell Slide" r:id="rId4" imgW="270" imgH="270" progId="TCLayout.ActiveDocument.1">
                   <p:embed/>
                 </p:oleObj>
               </mc:Choice>
@@ -7777,7 +7905,7 @@
           <p:cNvPr id="22" name="Graphic 4">
             <a:extLst>
               <a:ext uri="{FF2B5EF4-FFF2-40B4-BE49-F238E27FC236}">
-                <a16:creationId xmlns:a16="http://schemas.microsoft.com/office/drawing/2014/main" id="{25EEA1D4-3AF7-42D7-AE97-AE404AECFAEB}"/>
+                <a16:creationId xmlns:a16="http://schemas.microsoft.com/office/drawing/2014/main" xmlns="" id="{25EEA1D4-3AF7-42D7-AE97-AE404AECFAEB}"/>
               </a:ext>
             </a:extLst>
           </p:cNvPr>
@@ -7790,7 +7918,7 @@
           <a:blip r:embed="rId18">
             <a:extLst>
               <a:ext uri="{96DAC541-7B7A-43D3-8B79-37D633B846F1}">
-                <asvg:svgBlip xmlns:asvg="http://schemas.microsoft.com/office/drawing/2016/SVG/main" r:embed="rId19"/>
+                <asvg:svgBlip xmlns:asvg="http://schemas.microsoft.com/office/drawing/2016/SVG/main" xmlns="" r:embed="rId19"/>
               </a:ext>
             </a:extLst>
           </a:blip>
@@ -7927,7 +8055,7 @@
           <a:p>
             <a:fld id="{C764DE79-268F-4C1A-8933-263129D2AF90}" type="datetimeFigureOut">
               <a:rPr lang="en-US" dirty="0"/>
-              <a:t>6/22/2021</a:t>
+              <a:t>6/23/2021</a:t>
             </a:fld>
             <a:endParaRPr lang="en-US" dirty="0"/>
           </a:p>
@@ -8172,7 +8300,7 @@
           <a:p>
             <a:fld id="{C764DE79-268F-4C1A-8933-263129D2AF90}" type="datetimeFigureOut">
               <a:rPr lang="en-US" dirty="0"/>
-              <a:t>6/22/2021</a:t>
+              <a:t>6/23/2021</a:t>
             </a:fld>
             <a:endParaRPr lang="en-US" dirty="0"/>
           </a:p>
@@ -8401,7 +8529,7 @@
           <a:p>
             <a:fld id="{C764DE79-268F-4C1A-8933-263129D2AF90}" type="datetimeFigureOut">
               <a:rPr lang="en-US" dirty="0"/>
-              <a:t>6/22/2021</a:t>
+              <a:t>6/23/2021</a:t>
             </a:fld>
             <a:endParaRPr lang="en-US" dirty="0"/>
           </a:p>
@@ -8765,7 +8893,7 @@
           <a:p>
             <a:fld id="{C764DE79-268F-4C1A-8933-263129D2AF90}" type="datetimeFigureOut">
               <a:rPr lang="en-US" dirty="0"/>
-              <a:t>6/22/2021</a:t>
+              <a:t>6/23/2021</a:t>
             </a:fld>
             <a:endParaRPr lang="en-US" dirty="0"/>
           </a:p>
@@ -8882,7 +9010,7 @@
           <a:p>
             <a:fld id="{C764DE79-268F-4C1A-8933-263129D2AF90}" type="datetimeFigureOut">
               <a:rPr lang="en-US" dirty="0"/>
-              <a:t>6/22/2021</a:t>
+              <a:t>6/23/2021</a:t>
             </a:fld>
             <a:endParaRPr lang="en-US" dirty="0"/>
           </a:p>
@@ -8977,7 +9105,7 @@
           <a:p>
             <a:fld id="{C764DE79-268F-4C1A-8933-263129D2AF90}" type="datetimeFigureOut">
               <a:rPr lang="en-US" dirty="0"/>
-              <a:t>6/22/2021</a:t>
+              <a:t>6/23/2021</a:t>
             </a:fld>
             <a:endParaRPr lang="en-US" dirty="0"/>
           </a:p>
@@ -9252,7 +9380,7 @@
           <a:p>
             <a:fld id="{C764DE79-268F-4C1A-8933-263129D2AF90}" type="datetimeFigureOut">
               <a:rPr lang="en-US" dirty="0"/>
-              <a:t>6/22/2021</a:t>
+              <a:t>6/23/2021</a:t>
             </a:fld>
             <a:endParaRPr lang="en-US" dirty="0"/>
           </a:p>
@@ -9504,7 +9632,7 @@
           <a:p>
             <a:fld id="{C764DE79-268F-4C1A-8933-263129D2AF90}" type="datetimeFigureOut">
               <a:rPr lang="en-US" dirty="0"/>
-              <a:t>6/22/2021</a:t>
+              <a:t>6/23/2021</a:t>
             </a:fld>
             <a:endParaRPr lang="en-US" dirty="0"/>
           </a:p>
@@ -9715,7 +9843,7 @@
           <a:p>
             <a:fld id="{C764DE79-268F-4C1A-8933-263129D2AF90}" type="datetimeFigureOut">
               <a:rPr lang="en-US" dirty="0"/>
-              <a:t>6/22/2021</a:t>
+              <a:t>6/23/2021</a:t>
             </a:fld>
             <a:endParaRPr lang="en-US" dirty="0"/>
           </a:p>
@@ -10206,6 +10334,13 @@
       </p:transition>
     </mc:Fallback>
   </mc:AlternateContent>
+  <p:timing>
+    <p:tnLst>
+      <p:par>
+        <p:cTn id="1" dur="indefinite" restart="never" nodeType="tmRoot"/>
+      </p:par>
+    </p:tnLst>
+  </p:timing>
 </p:sld>
 </file>
 
@@ -10231,7 +10366,7 @@
           <p:cNvPr id="2" name="Title 1">
             <a:extLst>
               <a:ext uri="{FF2B5EF4-FFF2-40B4-BE49-F238E27FC236}">
-                <a16:creationId xmlns:a16="http://schemas.microsoft.com/office/drawing/2014/main" id="{4054A69F-BCA8-4D94-823D-7DEA29E8D8B9}"/>
+                <a16:creationId xmlns:a16="http://schemas.microsoft.com/office/drawing/2014/main" xmlns="" id="{4054A69F-BCA8-4D94-823D-7DEA29E8D8B9}"/>
               </a:ext>
             </a:extLst>
           </p:cNvPr>
@@ -10268,7 +10403,7 @@
           <p:cNvPr id="3" name="TextBox 2">
             <a:extLst>
               <a:ext uri="{FF2B5EF4-FFF2-40B4-BE49-F238E27FC236}">
-                <a16:creationId xmlns:a16="http://schemas.microsoft.com/office/drawing/2014/main" id="{93572E70-B2EF-4588-9CC3-9A63C2FDC1A2}"/>
+                <a16:creationId xmlns:a16="http://schemas.microsoft.com/office/drawing/2014/main" xmlns="" id="{93572E70-B2EF-4588-9CC3-9A63C2FDC1A2}"/>
               </a:ext>
             </a:extLst>
           </p:cNvPr>
@@ -10403,6 +10538,10 @@
             <a:endParaRPr lang="en-US" dirty="0"/>
           </a:p>
           <a:p>
+            <a:r>
+              <a:rPr lang="en-US" dirty="0"/>
+              <a:t/>
+            </a:r>
             <a:br>
               <a:rPr lang="en-US" dirty="0"/>
             </a:br>
@@ -10467,6 +10606,10 @@
             <a:endParaRPr lang="en-US" dirty="0"/>
           </a:p>
           <a:p>
+            <a:r>
+              <a:rPr lang="en-US" dirty="0"/>
+              <a:t/>
+            </a:r>
             <a:br>
               <a:rPr lang="en-US" dirty="0"/>
             </a:br>
@@ -10489,6 +10632,13 @@
   <p:clrMapOvr>
     <a:masterClrMapping/>
   </p:clrMapOvr>
+  <p:timing>
+    <p:tnLst>
+      <p:par>
+        <p:cTn id="1" dur="indefinite" restart="never" nodeType="tmRoot"/>
+      </p:par>
+    </p:tnLst>
+  </p:timing>
 </p:sld>
 </file>
 
@@ -10514,7 +10664,7 @@
           <p:cNvPr id="2" name="Title 1">
             <a:extLst>
               <a:ext uri="{FF2B5EF4-FFF2-40B4-BE49-F238E27FC236}">
-                <a16:creationId xmlns:a16="http://schemas.microsoft.com/office/drawing/2014/main" id="{FA91B041-A950-46F5-851E-046C5C6E0265}"/>
+                <a16:creationId xmlns:a16="http://schemas.microsoft.com/office/drawing/2014/main" xmlns="" id="{FA91B041-A950-46F5-851E-046C5C6E0265}"/>
               </a:ext>
             </a:extLst>
           </p:cNvPr>
@@ -10551,7 +10701,7 @@
           <p:cNvPr id="3" name="TextBox 2">
             <a:extLst>
               <a:ext uri="{FF2B5EF4-FFF2-40B4-BE49-F238E27FC236}">
-                <a16:creationId xmlns:a16="http://schemas.microsoft.com/office/drawing/2014/main" id="{96CA87D1-97B3-473A-A9BB-EC0F1CA9D3FC}"/>
+                <a16:creationId xmlns:a16="http://schemas.microsoft.com/office/drawing/2014/main" xmlns="" id="{96CA87D1-97B3-473A-A9BB-EC0F1CA9D3FC}"/>
               </a:ext>
             </a:extLst>
           </p:cNvPr>
@@ -10642,6 +10792,10 @@
             </a:r>
           </a:p>
           <a:p>
+            <a:r>
+              <a:rPr lang="en-US" dirty="0"/>
+              <a:t/>
+            </a:r>
             <a:br>
               <a:rPr lang="en-US" dirty="0"/>
             </a:br>
@@ -10725,6 +10879,10 @@
             <a:endParaRPr lang="en-US" dirty="0"/>
           </a:p>
           <a:p>
+            <a:r>
+              <a:rPr lang="en-US" dirty="0"/>
+              <a:t/>
+            </a:r>
             <a:br>
               <a:rPr lang="en-US" dirty="0"/>
             </a:br>
@@ -10737,6 +10895,13 @@
             </a:endParaRPr>
           </a:p>
           <a:p>
+            <a:r>
+              <a:rPr lang="en-US" dirty="0">
+                <a:ea typeface="+mn-lt"/>
+                <a:cs typeface="+mn-lt"/>
+              </a:rPr>
+              <a:t/>
+            </a:r>
             <a:br>
               <a:rPr lang="en-US" dirty="0">
                 <a:ea typeface="+mn-lt"/>
@@ -10772,10 +10937,98 @@
   <p:clrMapOvr>
     <a:masterClrMapping/>
   </p:clrMapOvr>
+  <p:timing>
+    <p:tnLst>
+      <p:par>
+        <p:cTn id="1" dur="indefinite" restart="never" nodeType="tmRoot"/>
+      </p:par>
+    </p:tnLst>
+  </p:timing>
 </p:sld>
 </file>
 
 <file path=ppt/slides/slide12.xml><?xml version="1.0" encoding="utf-8"?>
+<p:sld xmlns:a="http://schemas.openxmlformats.org/drawingml/2006/main" xmlns:r="http://schemas.openxmlformats.org/officeDocument/2006/relationships" xmlns:p="http://schemas.openxmlformats.org/presentationml/2006/main">
+  <p:cSld>
+    <p:spTree>
+      <p:nvGrpSpPr>
+        <p:cNvPr id="1" name=""/>
+        <p:cNvGrpSpPr/>
+        <p:nvPr/>
+      </p:nvGrpSpPr>
+      <p:grpSpPr>
+        <a:xfrm>
+          <a:off x="0" y="0"/>
+          <a:ext cx="0" cy="0"/>
+          <a:chOff x="0" y="0"/>
+          <a:chExt cx="0" cy="0"/>
+        </a:xfrm>
+      </p:grpSpPr>
+      <p:sp>
+        <p:nvSpPr>
+          <p:cNvPr id="2" name="Title 1"/>
+          <p:cNvSpPr>
+            <a:spLocks noGrp="1"/>
+          </p:cNvSpPr>
+          <p:nvPr>
+            <p:ph type="title"/>
+          </p:nvPr>
+        </p:nvSpPr>
+        <p:spPr/>
+        <p:txBody>
+          <a:bodyPr/>
+          <a:lstStyle/>
+          <a:p>
+            <a:r>
+              <a:rPr lang="en-US" dirty="0" smtClean="0"/>
+              <a:t>Deployed instance</a:t>
+            </a:r>
+            <a:endParaRPr lang="en-GB" dirty="0"/>
+          </a:p>
+        </p:txBody>
+      </p:sp>
+      <p:sp>
+        <p:nvSpPr>
+          <p:cNvPr id="3" name="Rectangle 2"/>
+          <p:cNvSpPr/>
+          <p:nvPr/>
+        </p:nvSpPr>
+        <p:spPr>
+          <a:xfrm>
+            <a:off x="871431" y="2348880"/>
+            <a:ext cx="6017866" cy="369332"/>
+          </a:xfrm>
+          <a:prstGeom prst="rect">
+            <a:avLst/>
+          </a:prstGeom>
+        </p:spPr>
+        <p:txBody>
+          <a:bodyPr wrap="none">
+            <a:spAutoFit/>
+          </a:bodyPr>
+          <a:lstStyle/>
+          <a:p>
+            <a:r>
+              <a:rPr lang="en-GB" dirty="0"/>
+              <a:t>https://api-5141905434732799880-799674.uc.r.appspot.com/</a:t>
+            </a:r>
+          </a:p>
+        </p:txBody>
+      </p:sp>
+    </p:spTree>
+    <p:extLst>
+      <p:ext uri="{BB962C8B-B14F-4D97-AF65-F5344CB8AC3E}">
+        <p14:creationId xmlns:p14="http://schemas.microsoft.com/office/powerpoint/2010/main" val="4029834850"/>
+      </p:ext>
+    </p:extLst>
+  </p:cSld>
+  <p:clrMapOvr>
+    <a:masterClrMapping/>
+  </p:clrMapOvr>
+</p:sld>
+</file>
+
+<file path=ppt/slides/slide13.xml><?xml version="1.0" encoding="utf-8"?>
 <p:sld xmlns:a="http://schemas.openxmlformats.org/drawingml/2006/main" xmlns:r="http://schemas.openxmlformats.org/officeDocument/2006/relationships" xmlns:p="http://schemas.openxmlformats.org/presentationml/2006/main">
   <p:cSld>
     <p:bg>
@@ -10805,10 +11058,10 @@
           <p:cNvPr id="11" name="Rectangle 7">
             <a:extLst>
               <a:ext uri="{FF2B5EF4-FFF2-40B4-BE49-F238E27FC236}">
-                <a16:creationId xmlns:a16="http://schemas.microsoft.com/office/drawing/2014/main" id="{081EA652-8C6A-4E69-BEB9-170809474553}"/>
+                <a16:creationId xmlns:a16="http://schemas.microsoft.com/office/drawing/2014/main" xmlns="" id="{081EA652-8C6A-4E69-BEB9-170809474553}"/>
               </a:ext>
               <a:ext uri="{C183D7F6-B498-43B3-948B-1728B52AA6E4}">
-                <adec:decorative xmlns:adec="http://schemas.microsoft.com/office/drawing/2017/decorative" val="1"/>
+                <adec:decorative xmlns:adec="http://schemas.microsoft.com/office/drawing/2017/decorative" xmlns="" val="1"/>
               </a:ext>
             </a:extLst>
           </p:cNvPr>
@@ -10818,7 +11071,7 @@
           <p:nvPr>
             <p:extLst>
               <p:ext uri="{386F3935-93C4-4BCD-93E2-E3B085C9AB24}">
-                <p16:designElem xmlns:p16="http://schemas.microsoft.com/office/powerpoint/2015/main" val="1"/>
+                <p16:designElem xmlns:p16="http://schemas.microsoft.com/office/powerpoint/2015/main" xmlns="" val="1"/>
               </p:ext>
             </p:extLst>
           </p:nvPr>
@@ -10865,10 +11118,10 @@
           <p:cNvPr id="13" name="Freeform: Shape 9">
             <a:extLst>
               <a:ext uri="{FF2B5EF4-FFF2-40B4-BE49-F238E27FC236}">
-                <a16:creationId xmlns:a16="http://schemas.microsoft.com/office/drawing/2014/main" id="{A4026A73-1F7F-49F2-B319-8CA3B3D53269}"/>
+                <a16:creationId xmlns:a16="http://schemas.microsoft.com/office/drawing/2014/main" xmlns="" id="{A4026A73-1F7F-49F2-B319-8CA3B3D53269}"/>
               </a:ext>
               <a:ext uri="{C183D7F6-B498-43B3-948B-1728B52AA6E4}">
-                <adec:decorative xmlns:adec="http://schemas.microsoft.com/office/drawing/2017/decorative" val="1"/>
+                <adec:decorative xmlns:adec="http://schemas.microsoft.com/office/drawing/2017/decorative" xmlns="" val="1"/>
               </a:ext>
             </a:extLst>
           </p:cNvPr>
@@ -10878,7 +11131,7 @@
           <p:nvPr>
             <p:extLst>
               <p:ext uri="{386F3935-93C4-4BCD-93E2-E3B085C9AB24}">
-                <p16:designElem xmlns:p16="http://schemas.microsoft.com/office/powerpoint/2015/main" val="1"/>
+                <p16:designElem xmlns:p16="http://schemas.microsoft.com/office/powerpoint/2015/main" xmlns="" val="1"/>
               </p:ext>
             </p:extLst>
           </p:nvPr>
@@ -11057,10 +11310,10 @@
           <p:cNvPr id="15" name="Right Triangle 11">
             <a:extLst>
               <a:ext uri="{FF2B5EF4-FFF2-40B4-BE49-F238E27FC236}">
-                <a16:creationId xmlns:a16="http://schemas.microsoft.com/office/drawing/2014/main" id="{5298780A-33B9-4EA2-8F67-DE68AD62841B}"/>
+                <a16:creationId xmlns:a16="http://schemas.microsoft.com/office/drawing/2014/main" xmlns="" id="{5298780A-33B9-4EA2-8F67-DE68AD62841B}"/>
               </a:ext>
               <a:ext uri="{C183D7F6-B498-43B3-948B-1728B52AA6E4}">
-                <adec:decorative xmlns:adec="http://schemas.microsoft.com/office/drawing/2017/decorative" val="1"/>
+                <adec:decorative xmlns:adec="http://schemas.microsoft.com/office/drawing/2017/decorative" xmlns="" val="1"/>
               </a:ext>
             </a:extLst>
           </p:cNvPr>
@@ -11070,7 +11323,7 @@
           <p:nvPr>
             <p:extLst>
               <p:ext uri="{386F3935-93C4-4BCD-93E2-E3B085C9AB24}">
-                <p16:designElem xmlns:p16="http://schemas.microsoft.com/office/powerpoint/2015/main" val="1"/>
+                <p16:designElem xmlns:p16="http://schemas.microsoft.com/office/powerpoint/2015/main" xmlns="" val="1"/>
               </p:ext>
             </p:extLst>
           </p:nvPr>
@@ -11120,10 +11373,10 @@
           <p:cNvPr id="17" name="Rectangle 13">
             <a:extLst>
               <a:ext uri="{FF2B5EF4-FFF2-40B4-BE49-F238E27FC236}">
-                <a16:creationId xmlns:a16="http://schemas.microsoft.com/office/drawing/2014/main" id="{7F488E8B-4E1E-4402-8935-D4E6C02615C7}"/>
+                <a16:creationId xmlns:a16="http://schemas.microsoft.com/office/drawing/2014/main" xmlns="" id="{7F488E8B-4E1E-4402-8935-D4E6C02615C7}"/>
               </a:ext>
               <a:ext uri="{C183D7F6-B498-43B3-948B-1728B52AA6E4}">
-                <adec:decorative xmlns:adec="http://schemas.microsoft.com/office/drawing/2017/decorative" val="1"/>
+                <adec:decorative xmlns:adec="http://schemas.microsoft.com/office/drawing/2017/decorative" xmlns="" val="1"/>
               </a:ext>
             </a:extLst>
           </p:cNvPr>
@@ -11133,7 +11386,7 @@
           <p:nvPr>
             <p:extLst>
               <p:ext uri="{386F3935-93C4-4BCD-93E2-E3B085C9AB24}">
-                <p16:designElem xmlns:p16="http://schemas.microsoft.com/office/powerpoint/2015/main" val="1"/>
+                <p16:designElem xmlns:p16="http://schemas.microsoft.com/office/powerpoint/2015/main" xmlns="" val="1"/>
               </p:ext>
             </p:extLst>
           </p:nvPr>
@@ -11181,7 +11434,7 @@
           <p:cNvPr id="2" name="Title 1">
             <a:extLst>
               <a:ext uri="{FF2B5EF4-FFF2-40B4-BE49-F238E27FC236}">
-                <a16:creationId xmlns:a16="http://schemas.microsoft.com/office/drawing/2014/main" id="{58B07E7B-F1CE-423C-968E-835496B9ECD9}"/>
+                <a16:creationId xmlns:a16="http://schemas.microsoft.com/office/drawing/2014/main" xmlns="" id="{58B07E7B-F1CE-423C-968E-835496B9ECD9}"/>
               </a:ext>
             </a:extLst>
           </p:cNvPr>
@@ -11224,10 +11477,10 @@
           <p:cNvPr id="16" name="Straight Connector 15">
             <a:extLst>
               <a:ext uri="{FF2B5EF4-FFF2-40B4-BE49-F238E27FC236}">
-                <a16:creationId xmlns:a16="http://schemas.microsoft.com/office/drawing/2014/main" id="{23AAC9B5-8015-485C-ACF9-A750390E9A56}"/>
+                <a16:creationId xmlns:a16="http://schemas.microsoft.com/office/drawing/2014/main" xmlns="" id="{23AAC9B5-8015-485C-ACF9-A750390E9A56}"/>
               </a:ext>
               <a:ext uri="{C183D7F6-B498-43B3-948B-1728B52AA6E4}">
-                <adec:decorative xmlns:adec="http://schemas.microsoft.com/office/drawing/2017/decorative" val="1"/>
+                <adec:decorative xmlns:adec="http://schemas.microsoft.com/office/drawing/2017/decorative" xmlns="" val="1"/>
               </a:ext>
             </a:extLst>
           </p:cNvPr>
@@ -11237,7 +11490,7 @@
           <p:nvPr>
             <p:extLst>
               <p:ext uri="{386F3935-93C4-4BCD-93E2-E3B085C9AB24}">
-                <p16:designElem xmlns:p16="http://schemas.microsoft.com/office/powerpoint/2015/main" val="1"/>
+                <p16:designElem xmlns:p16="http://schemas.microsoft.com/office/powerpoint/2015/main" xmlns="" val="1"/>
               </p:ext>
             </p:extLst>
           </p:nvPr>
@@ -11279,7 +11532,7 @@
           <p:cNvPr id="3" name="TextBox 2">
             <a:extLst>
               <a:ext uri="{FF2B5EF4-FFF2-40B4-BE49-F238E27FC236}">
-                <a16:creationId xmlns:a16="http://schemas.microsoft.com/office/drawing/2014/main" id="{36012FA3-DC4B-4529-A4A1-70285F9862F5}"/>
+                <a16:creationId xmlns:a16="http://schemas.microsoft.com/office/drawing/2014/main" xmlns="" id="{36012FA3-DC4B-4529-A4A1-70285F9862F5}"/>
               </a:ext>
             </a:extLst>
           </p:cNvPr>
@@ -11393,10 +11646,17 @@
   <p:clrMapOvr>
     <a:masterClrMapping/>
   </p:clrMapOvr>
+  <p:timing>
+    <p:tnLst>
+      <p:par>
+        <p:cTn id="1" dur="indefinite" restart="never" nodeType="tmRoot"/>
+      </p:par>
+    </p:tnLst>
+  </p:timing>
 </p:sld>
 </file>
 
-<file path=ppt/slides/slide13.xml><?xml version="1.0" encoding="utf-8"?>
+<file path=ppt/slides/slide14.xml><?xml version="1.0" encoding="utf-8"?>
 <p:sld xmlns:a="http://schemas.openxmlformats.org/drawingml/2006/main" xmlns:r="http://schemas.openxmlformats.org/officeDocument/2006/relationships" xmlns:p="http://schemas.openxmlformats.org/presentationml/2006/main">
   <p:cSld>
     <p:spTree>
@@ -11456,10 +11716,10 @@
           <p:cNvPr id="45" name="Rectangle 10">
             <a:extLst>
               <a:ext uri="{FF2B5EF4-FFF2-40B4-BE49-F238E27FC236}">
-                <a16:creationId xmlns:a16="http://schemas.microsoft.com/office/drawing/2014/main" id="{907EF6B7-1338-4443-8C46-6A318D952DFD}"/>
+                <a16:creationId xmlns:a16="http://schemas.microsoft.com/office/drawing/2014/main" xmlns="" id="{907EF6B7-1338-4443-8C46-6A318D952DFD}"/>
               </a:ext>
               <a:ext uri="{C183D7F6-B498-43B3-948B-1728B52AA6E4}">
-                <adec:decorative xmlns:adec="http://schemas.microsoft.com/office/drawing/2017/decorative" val="1"/>
+                <adec:decorative xmlns:adec="http://schemas.microsoft.com/office/drawing/2017/decorative" xmlns="" val="1"/>
               </a:ext>
             </a:extLst>
           </p:cNvPr>
@@ -11469,7 +11729,7 @@
           <p:nvPr>
             <p:extLst>
               <p:ext uri="{386F3935-93C4-4BCD-93E2-E3B085C9AB24}">
-                <p16:designElem xmlns:p16="http://schemas.microsoft.com/office/powerpoint/2015/main" val="1"/>
+                <p16:designElem xmlns:p16="http://schemas.microsoft.com/office/powerpoint/2015/main" xmlns="" val="1"/>
               </p:ext>
             </p:extLst>
           </p:nvPr>
@@ -11516,10 +11776,10 @@
           <p:cNvPr id="46" name="Freeform: Shape 12">
             <a:extLst>
               <a:ext uri="{FF2B5EF4-FFF2-40B4-BE49-F238E27FC236}">
-                <a16:creationId xmlns:a16="http://schemas.microsoft.com/office/drawing/2014/main" id="{DAAE4CDD-124C-4DCF-9584-B6033B545DD5}"/>
+                <a16:creationId xmlns:a16="http://schemas.microsoft.com/office/drawing/2014/main" xmlns="" id="{DAAE4CDD-124C-4DCF-9584-B6033B545DD5}"/>
               </a:ext>
               <a:ext uri="{C183D7F6-B498-43B3-948B-1728B52AA6E4}">
-                <adec:decorative xmlns:adec="http://schemas.microsoft.com/office/drawing/2017/decorative" val="1"/>
+                <adec:decorative xmlns:adec="http://schemas.microsoft.com/office/drawing/2017/decorative" xmlns="" val="1"/>
               </a:ext>
             </a:extLst>
           </p:cNvPr>
@@ -11529,7 +11789,7 @@
           <p:nvPr>
             <p:extLst>
               <p:ext uri="{386F3935-93C4-4BCD-93E2-E3B085C9AB24}">
-                <p16:designElem xmlns:p16="http://schemas.microsoft.com/office/powerpoint/2015/main" val="1"/>
+                <p16:designElem xmlns:p16="http://schemas.microsoft.com/office/powerpoint/2015/main" xmlns="" val="1"/>
               </p:ext>
             </p:extLst>
           </p:nvPr>
@@ -11650,7 +11910,7 @@
           <p:cNvPr id="2" name="Title 1">
             <a:extLst>
               <a:ext uri="{FF2B5EF4-FFF2-40B4-BE49-F238E27FC236}">
-                <a16:creationId xmlns:a16="http://schemas.microsoft.com/office/drawing/2014/main" id="{6C495436-F429-4F30-87FF-C537E6EA3BEE}"/>
+                <a16:creationId xmlns:a16="http://schemas.microsoft.com/office/drawing/2014/main" xmlns="" id="{6C495436-F429-4F30-87FF-C537E6EA3BEE}"/>
               </a:ext>
             </a:extLst>
           </p:cNvPr>
@@ -11692,10 +11952,10 @@
           <p:cNvPr id="47" name="Arc 14">
             <a:extLst>
               <a:ext uri="{FF2B5EF4-FFF2-40B4-BE49-F238E27FC236}">
-                <a16:creationId xmlns:a16="http://schemas.microsoft.com/office/drawing/2014/main" id="{081E4A58-353D-44AE-B2FC-2A74E2E400F7}"/>
+                <a16:creationId xmlns:a16="http://schemas.microsoft.com/office/drawing/2014/main" xmlns="" id="{081E4A58-353D-44AE-B2FC-2A74E2E400F7}"/>
               </a:ext>
               <a:ext uri="{C183D7F6-B498-43B3-948B-1728B52AA6E4}">
-                <adec:decorative xmlns:adec="http://schemas.microsoft.com/office/drawing/2017/decorative" val="1"/>
+                <adec:decorative xmlns:adec="http://schemas.microsoft.com/office/drawing/2017/decorative" xmlns="" val="1"/>
               </a:ext>
             </a:extLst>
           </p:cNvPr>
@@ -11705,7 +11965,7 @@
           <p:nvPr>
             <p:extLst>
               <p:ext uri="{386F3935-93C4-4BCD-93E2-E3B085C9AB24}">
-                <p16:designElem xmlns:p16="http://schemas.microsoft.com/office/powerpoint/2015/main" val="1"/>
+                <p16:designElem xmlns:p16="http://schemas.microsoft.com/office/powerpoint/2015/main" xmlns="" val="1"/>
               </p:ext>
             </p:extLst>
           </p:nvPr>
@@ -11753,7 +12013,7 @@
           <p:cNvPr id="6" name="TextBox 5">
             <a:extLst>
               <a:ext uri="{FF2B5EF4-FFF2-40B4-BE49-F238E27FC236}">
-                <a16:creationId xmlns:a16="http://schemas.microsoft.com/office/drawing/2014/main" id="{59C6EEDE-3A07-4A5E-B6D9-878F55B7E470}"/>
+                <a16:creationId xmlns:a16="http://schemas.microsoft.com/office/drawing/2014/main" xmlns="" id="{59C6EEDE-3A07-4A5E-B6D9-878F55B7E470}"/>
               </a:ext>
             </a:extLst>
           </p:cNvPr>
@@ -11854,7 +12114,7 @@
           <p:cNvPr id="3" name="Date Placeholder 2">
             <a:extLst>
               <a:ext uri="{FF2B5EF4-FFF2-40B4-BE49-F238E27FC236}">
-                <a16:creationId xmlns:a16="http://schemas.microsoft.com/office/drawing/2014/main" id="{FAC60980-D64D-45DF-9E65-72525174BAE9}"/>
+                <a16:creationId xmlns:a16="http://schemas.microsoft.com/office/drawing/2014/main" xmlns="" id="{FAC60980-D64D-45DF-9E65-72525174BAE9}"/>
               </a:ext>
             </a:extLst>
           </p:cNvPr>
@@ -11901,7 +12161,7 @@
           <p:cNvPr id="4" name="Footer Placeholder 3">
             <a:extLst>
               <a:ext uri="{FF2B5EF4-FFF2-40B4-BE49-F238E27FC236}">
-                <a16:creationId xmlns:a16="http://schemas.microsoft.com/office/drawing/2014/main" id="{EB12E234-4FBD-4355-9510-36E197F58114}"/>
+                <a16:creationId xmlns:a16="http://schemas.microsoft.com/office/drawing/2014/main" xmlns="" id="{EB12E234-4FBD-4355-9510-36E197F58114}"/>
               </a:ext>
             </a:extLst>
           </p:cNvPr>
@@ -11950,7 +12210,7 @@
           <p:cNvPr id="5" name="Slide Number Placeholder 4">
             <a:extLst>
               <a:ext uri="{FF2B5EF4-FFF2-40B4-BE49-F238E27FC236}">
-                <a16:creationId xmlns:a16="http://schemas.microsoft.com/office/drawing/2014/main" id="{EAEED7D5-643B-4022-B196-B5B8BB24E6DF}"/>
+                <a16:creationId xmlns:a16="http://schemas.microsoft.com/office/drawing/2014/main" xmlns="" id="{EAEED7D5-643B-4022-B196-B5B8BB24E6DF}"/>
               </a:ext>
             </a:extLst>
           </p:cNvPr>
@@ -12001,6 +12261,13 @@
   <p:clrMapOvr>
     <a:masterClrMapping/>
   </p:clrMapOvr>
+  <p:timing>
+    <p:tnLst>
+      <p:par>
+        <p:cTn id="1" dur="indefinite" restart="never" nodeType="tmRoot"/>
+      </p:par>
+    </p:tnLst>
+  </p:timing>
 </p:sld>
 </file>
 
@@ -12026,7 +12293,7 @@
           <p:cNvPr id="2" name="Title 1">
             <a:extLst>
               <a:ext uri="{FF2B5EF4-FFF2-40B4-BE49-F238E27FC236}">
-                <a16:creationId xmlns:a16="http://schemas.microsoft.com/office/drawing/2014/main" id="{E0D1C1C3-3776-410D-81D6-AB8DD4D414FD}"/>
+                <a16:creationId xmlns:a16="http://schemas.microsoft.com/office/drawing/2014/main" xmlns="" id="{E0D1C1C3-3776-410D-81D6-AB8DD4D414FD}"/>
               </a:ext>
             </a:extLst>
           </p:cNvPr>
@@ -12062,7 +12329,7 @@
           <p:cNvPr id="3" name="Date Placeholder 2">
             <a:extLst>
               <a:ext uri="{FF2B5EF4-FFF2-40B4-BE49-F238E27FC236}">
-                <a16:creationId xmlns:a16="http://schemas.microsoft.com/office/drawing/2014/main" id="{462EB52D-A287-4E24-92B9-472C3636C3ED}"/>
+                <a16:creationId xmlns:a16="http://schemas.microsoft.com/office/drawing/2014/main" xmlns="" id="{462EB52D-A287-4E24-92B9-472C3636C3ED}"/>
               </a:ext>
             </a:extLst>
           </p:cNvPr>
@@ -12096,7 +12363,7 @@
           <p:cNvPr id="4" name="Footer Placeholder 3">
             <a:extLst>
               <a:ext uri="{FF2B5EF4-FFF2-40B4-BE49-F238E27FC236}">
-                <a16:creationId xmlns:a16="http://schemas.microsoft.com/office/drawing/2014/main" id="{8D46F789-039A-499F-804D-822454701CAF}"/>
+                <a16:creationId xmlns:a16="http://schemas.microsoft.com/office/drawing/2014/main" xmlns="" id="{8D46F789-039A-499F-804D-822454701CAF}"/>
               </a:ext>
             </a:extLst>
           </p:cNvPr>
@@ -12127,7 +12394,7 @@
           <p:cNvPr id="5" name="Slide Number Placeholder 4">
             <a:extLst>
               <a:ext uri="{FF2B5EF4-FFF2-40B4-BE49-F238E27FC236}">
-                <a16:creationId xmlns:a16="http://schemas.microsoft.com/office/drawing/2014/main" id="{F8AC692C-8705-4FD2-9371-764AB08D2298}"/>
+                <a16:creationId xmlns:a16="http://schemas.microsoft.com/office/drawing/2014/main" xmlns="" id="{F8AC692C-8705-4FD2-9371-764AB08D2298}"/>
               </a:ext>
             </a:extLst>
           </p:cNvPr>
@@ -12163,7 +12430,7 @@
           <p:cNvPr id="7" name="Rectangle 6">
             <a:extLst>
               <a:ext uri="{FF2B5EF4-FFF2-40B4-BE49-F238E27FC236}">
-                <a16:creationId xmlns:a16="http://schemas.microsoft.com/office/drawing/2014/main" id="{A6848D77-7C53-4A7C-A467-9D848592C260}"/>
+                <a16:creationId xmlns:a16="http://schemas.microsoft.com/office/drawing/2014/main" xmlns="" id="{A6848D77-7C53-4A7C-A467-9D848592C260}"/>
               </a:ext>
             </a:extLst>
           </p:cNvPr>
@@ -12225,7 +12492,7 @@
           <p:cNvPr id="9" name="Rectangle 8">
             <a:extLst>
               <a:ext uri="{FF2B5EF4-FFF2-40B4-BE49-F238E27FC236}">
-                <a16:creationId xmlns:a16="http://schemas.microsoft.com/office/drawing/2014/main" id="{789547E6-A21D-4F17-BD0E-F646A1A3216D}"/>
+                <a16:creationId xmlns:a16="http://schemas.microsoft.com/office/drawing/2014/main" xmlns="" id="{789547E6-A21D-4F17-BD0E-F646A1A3216D}"/>
               </a:ext>
             </a:extLst>
           </p:cNvPr>
@@ -12309,7 +12576,7 @@
           <p:cNvPr id="11" name="Rectangle 10">
             <a:extLst>
               <a:ext uri="{FF2B5EF4-FFF2-40B4-BE49-F238E27FC236}">
-                <a16:creationId xmlns:a16="http://schemas.microsoft.com/office/drawing/2014/main" id="{A64229F0-A5AD-4278-8D64-31A2CF75F712}"/>
+                <a16:creationId xmlns:a16="http://schemas.microsoft.com/office/drawing/2014/main" xmlns="" id="{A64229F0-A5AD-4278-8D64-31A2CF75F712}"/>
               </a:ext>
             </a:extLst>
           </p:cNvPr>
@@ -12389,7 +12656,7 @@
           <p:cNvPr id="19" name="Group 18">
             <a:extLst>
               <a:ext uri="{FF2B5EF4-FFF2-40B4-BE49-F238E27FC236}">
-                <a16:creationId xmlns:a16="http://schemas.microsoft.com/office/drawing/2014/main" id="{EDBD0CE1-9731-4BAD-A021-C2FDEA5EBFAB}"/>
+                <a16:creationId xmlns:a16="http://schemas.microsoft.com/office/drawing/2014/main" xmlns="" id="{EDBD0CE1-9731-4BAD-A021-C2FDEA5EBFAB}"/>
               </a:ext>
             </a:extLst>
           </p:cNvPr>
@@ -12409,7 +12676,7 @@
             <p:cNvPr id="13" name="Isosceles Triangle 12">
               <a:extLst>
                 <a:ext uri="{FF2B5EF4-FFF2-40B4-BE49-F238E27FC236}">
-                  <a16:creationId xmlns:a16="http://schemas.microsoft.com/office/drawing/2014/main" id="{7FA502A8-5B39-4D75-92D9-2BA1DE46A2C2}"/>
+                  <a16:creationId xmlns:a16="http://schemas.microsoft.com/office/drawing/2014/main" xmlns="" id="{7FA502A8-5B39-4D75-92D9-2BA1DE46A2C2}"/>
                 </a:ext>
               </a:extLst>
             </p:cNvPr>
@@ -12468,7 +12735,7 @@
             <p:cNvPr id="14" name="Straight Arrow Connector 13">
               <a:extLst>
                 <a:ext uri="{FF2B5EF4-FFF2-40B4-BE49-F238E27FC236}">
-                  <a16:creationId xmlns:a16="http://schemas.microsoft.com/office/drawing/2014/main" id="{13CEEE90-6C79-4C02-9C7A-A9F2DCE8A313}"/>
+                  <a16:creationId xmlns:a16="http://schemas.microsoft.com/office/drawing/2014/main" xmlns="" id="{13CEEE90-6C79-4C02-9C7A-A9F2DCE8A313}"/>
                 </a:ext>
               </a:extLst>
             </p:cNvPr>
@@ -12509,7 +12776,7 @@
             <p:cNvPr id="15" name="TextBox 14">
               <a:extLst>
                 <a:ext uri="{FF2B5EF4-FFF2-40B4-BE49-F238E27FC236}">
-                  <a16:creationId xmlns:a16="http://schemas.microsoft.com/office/drawing/2014/main" id="{7E711AAA-B6C4-41AB-A379-947D5FBA8F9D}"/>
+                  <a16:creationId xmlns:a16="http://schemas.microsoft.com/office/drawing/2014/main" xmlns="" id="{7E711AAA-B6C4-41AB-A379-947D5FBA8F9D}"/>
                 </a:ext>
               </a:extLst>
             </p:cNvPr>
@@ -12573,7 +12840,7 @@
             <p:cNvPr id="16" name="Straight Arrow Connector 15">
               <a:extLst>
                 <a:ext uri="{FF2B5EF4-FFF2-40B4-BE49-F238E27FC236}">
-                  <a16:creationId xmlns:a16="http://schemas.microsoft.com/office/drawing/2014/main" id="{838870D5-F8F4-4662-9662-26DD9262375E}"/>
+                  <a16:creationId xmlns:a16="http://schemas.microsoft.com/office/drawing/2014/main" xmlns="" id="{838870D5-F8F4-4662-9662-26DD9262375E}"/>
                 </a:ext>
               </a:extLst>
             </p:cNvPr>
@@ -12616,7 +12883,7 @@
             <p:cNvPr id="17" name="TextBox 16">
               <a:extLst>
                 <a:ext uri="{FF2B5EF4-FFF2-40B4-BE49-F238E27FC236}">
-                  <a16:creationId xmlns:a16="http://schemas.microsoft.com/office/drawing/2014/main" id="{9B63E1D9-6A94-437A-815B-09BA0B6DF6C7}"/>
+                  <a16:creationId xmlns:a16="http://schemas.microsoft.com/office/drawing/2014/main" xmlns="" id="{9B63E1D9-6A94-437A-815B-09BA0B6DF6C7}"/>
                 </a:ext>
               </a:extLst>
             </p:cNvPr>
@@ -12680,7 +12947,7 @@
             <p:cNvPr id="18" name="TextBox 17">
               <a:extLst>
                 <a:ext uri="{FF2B5EF4-FFF2-40B4-BE49-F238E27FC236}">
-                  <a16:creationId xmlns:a16="http://schemas.microsoft.com/office/drawing/2014/main" id="{32324F99-C07F-425E-B229-5B6F4E255DE5}"/>
+                  <a16:creationId xmlns:a16="http://schemas.microsoft.com/office/drawing/2014/main" xmlns="" id="{32324F99-C07F-425E-B229-5B6F4E255DE5}"/>
                 </a:ext>
               </a:extLst>
             </p:cNvPr>
@@ -12750,6 +13017,13 @@
   <p:clrMapOvr>
     <a:masterClrMapping/>
   </p:clrMapOvr>
+  <p:timing>
+    <p:tnLst>
+      <p:par>
+        <p:cTn id="1" dur="indefinite" restart="never" nodeType="tmRoot"/>
+      </p:par>
+    </p:tnLst>
+  </p:timing>
 </p:sld>
 </file>
 
@@ -12783,10 +13057,10 @@
           <p:cNvPr id="8" name="Rectangle 7">
             <a:extLst>
               <a:ext uri="{FF2B5EF4-FFF2-40B4-BE49-F238E27FC236}">
-                <a16:creationId xmlns:a16="http://schemas.microsoft.com/office/drawing/2014/main" id="{081EA652-8C6A-4E69-BEB9-170809474553}"/>
+                <a16:creationId xmlns:a16="http://schemas.microsoft.com/office/drawing/2014/main" xmlns="" id="{081EA652-8C6A-4E69-BEB9-170809474553}"/>
               </a:ext>
               <a:ext uri="{C183D7F6-B498-43B3-948B-1728B52AA6E4}">
-                <adec:decorative xmlns:adec="http://schemas.microsoft.com/office/drawing/2017/decorative" val="1"/>
+                <adec:decorative xmlns:adec="http://schemas.microsoft.com/office/drawing/2017/decorative" xmlns="" val="1"/>
               </a:ext>
             </a:extLst>
           </p:cNvPr>
@@ -12796,7 +13070,7 @@
           <p:nvPr>
             <p:extLst>
               <p:ext uri="{386F3935-93C4-4BCD-93E2-E3B085C9AB24}">
-                <p16:designElem xmlns:p16="http://schemas.microsoft.com/office/powerpoint/2015/main" val="1"/>
+                <p16:designElem xmlns:p16="http://schemas.microsoft.com/office/powerpoint/2015/main" xmlns="" val="1"/>
               </p:ext>
             </p:extLst>
           </p:nvPr>
@@ -12843,10 +13117,10 @@
           <p:cNvPr id="10" name="Freeform: Shape 9">
             <a:extLst>
               <a:ext uri="{FF2B5EF4-FFF2-40B4-BE49-F238E27FC236}">
-                <a16:creationId xmlns:a16="http://schemas.microsoft.com/office/drawing/2014/main" id="{A4026A73-1F7F-49F2-B319-8CA3B3D53269}"/>
+                <a16:creationId xmlns:a16="http://schemas.microsoft.com/office/drawing/2014/main" xmlns="" id="{A4026A73-1F7F-49F2-B319-8CA3B3D53269}"/>
               </a:ext>
               <a:ext uri="{C183D7F6-B498-43B3-948B-1728B52AA6E4}">
-                <adec:decorative xmlns:adec="http://schemas.microsoft.com/office/drawing/2017/decorative" val="1"/>
+                <adec:decorative xmlns:adec="http://schemas.microsoft.com/office/drawing/2017/decorative" xmlns="" val="1"/>
               </a:ext>
             </a:extLst>
           </p:cNvPr>
@@ -12856,7 +13130,7 @@
           <p:nvPr>
             <p:extLst>
               <p:ext uri="{386F3935-93C4-4BCD-93E2-E3B085C9AB24}">
-                <p16:designElem xmlns:p16="http://schemas.microsoft.com/office/powerpoint/2015/main" val="1"/>
+                <p16:designElem xmlns:p16="http://schemas.microsoft.com/office/powerpoint/2015/main" xmlns="" val="1"/>
               </p:ext>
             </p:extLst>
           </p:nvPr>
@@ -13035,10 +13309,10 @@
           <p:cNvPr id="12" name="Right Triangle 11">
             <a:extLst>
               <a:ext uri="{FF2B5EF4-FFF2-40B4-BE49-F238E27FC236}">
-                <a16:creationId xmlns:a16="http://schemas.microsoft.com/office/drawing/2014/main" id="{5298780A-33B9-4EA2-8F67-DE68AD62841B}"/>
+                <a16:creationId xmlns:a16="http://schemas.microsoft.com/office/drawing/2014/main" xmlns="" id="{5298780A-33B9-4EA2-8F67-DE68AD62841B}"/>
               </a:ext>
               <a:ext uri="{C183D7F6-B498-43B3-948B-1728B52AA6E4}">
-                <adec:decorative xmlns:adec="http://schemas.microsoft.com/office/drawing/2017/decorative" val="1"/>
+                <adec:decorative xmlns:adec="http://schemas.microsoft.com/office/drawing/2017/decorative" xmlns="" val="1"/>
               </a:ext>
             </a:extLst>
           </p:cNvPr>
@@ -13048,7 +13322,7 @@
           <p:nvPr>
             <p:extLst>
               <p:ext uri="{386F3935-93C4-4BCD-93E2-E3B085C9AB24}">
-                <p16:designElem xmlns:p16="http://schemas.microsoft.com/office/powerpoint/2015/main" val="1"/>
+                <p16:designElem xmlns:p16="http://schemas.microsoft.com/office/powerpoint/2015/main" xmlns="" val="1"/>
               </p:ext>
             </p:extLst>
           </p:nvPr>
@@ -13098,10 +13372,10 @@
           <p:cNvPr id="14" name="Rectangle 13">
             <a:extLst>
               <a:ext uri="{FF2B5EF4-FFF2-40B4-BE49-F238E27FC236}">
-                <a16:creationId xmlns:a16="http://schemas.microsoft.com/office/drawing/2014/main" id="{7F488E8B-4E1E-4402-8935-D4E6C02615C7}"/>
+                <a16:creationId xmlns:a16="http://schemas.microsoft.com/office/drawing/2014/main" xmlns="" id="{7F488E8B-4E1E-4402-8935-D4E6C02615C7}"/>
               </a:ext>
               <a:ext uri="{C183D7F6-B498-43B3-948B-1728B52AA6E4}">
-                <adec:decorative xmlns:adec="http://schemas.microsoft.com/office/drawing/2017/decorative" val="1"/>
+                <adec:decorative xmlns:adec="http://schemas.microsoft.com/office/drawing/2017/decorative" xmlns="" val="1"/>
               </a:ext>
             </a:extLst>
           </p:cNvPr>
@@ -13111,7 +13385,7 @@
           <p:nvPr>
             <p:extLst>
               <p:ext uri="{386F3935-93C4-4BCD-93E2-E3B085C9AB24}">
-                <p16:designElem xmlns:p16="http://schemas.microsoft.com/office/powerpoint/2015/main" val="1"/>
+                <p16:designElem xmlns:p16="http://schemas.microsoft.com/office/powerpoint/2015/main" xmlns="" val="1"/>
               </p:ext>
             </p:extLst>
           </p:nvPr>
@@ -13159,7 +13433,7 @@
           <p:cNvPr id="2" name="Title 1">
             <a:extLst>
               <a:ext uri="{FF2B5EF4-FFF2-40B4-BE49-F238E27FC236}">
-                <a16:creationId xmlns:a16="http://schemas.microsoft.com/office/drawing/2014/main" id="{921FFD6C-745B-4F9A-8A28-E1BDA0705ADB}"/>
+                <a16:creationId xmlns:a16="http://schemas.microsoft.com/office/drawing/2014/main" xmlns="" id="{921FFD6C-745B-4F9A-8A28-E1BDA0705ADB}"/>
               </a:ext>
             </a:extLst>
           </p:cNvPr>
@@ -13201,10 +13475,10 @@
           <p:cNvPr id="16" name="Straight Connector 15">
             <a:extLst>
               <a:ext uri="{FF2B5EF4-FFF2-40B4-BE49-F238E27FC236}">
-                <a16:creationId xmlns:a16="http://schemas.microsoft.com/office/drawing/2014/main" id="{23AAC9B5-8015-485C-ACF9-A750390E9A56}"/>
+                <a16:creationId xmlns:a16="http://schemas.microsoft.com/office/drawing/2014/main" xmlns="" id="{23AAC9B5-8015-485C-ACF9-A750390E9A56}"/>
               </a:ext>
               <a:ext uri="{C183D7F6-B498-43B3-948B-1728B52AA6E4}">
-                <adec:decorative xmlns:adec="http://schemas.microsoft.com/office/drawing/2017/decorative" val="1"/>
+                <adec:decorative xmlns:adec="http://schemas.microsoft.com/office/drawing/2017/decorative" xmlns="" val="1"/>
               </a:ext>
             </a:extLst>
           </p:cNvPr>
@@ -13214,7 +13488,7 @@
           <p:nvPr>
             <p:extLst>
               <p:ext uri="{386F3935-93C4-4BCD-93E2-E3B085C9AB24}">
-                <p16:designElem xmlns:p16="http://schemas.microsoft.com/office/powerpoint/2015/main" val="1"/>
+                <p16:designElem xmlns:p16="http://schemas.microsoft.com/office/powerpoint/2015/main" xmlns="" val="1"/>
               </p:ext>
             </p:extLst>
           </p:nvPr>
@@ -13256,7 +13530,7 @@
           <p:cNvPr id="3" name="TextBox 2">
             <a:extLst>
               <a:ext uri="{FF2B5EF4-FFF2-40B4-BE49-F238E27FC236}">
-                <a16:creationId xmlns:a16="http://schemas.microsoft.com/office/drawing/2014/main" id="{0E0BAE43-37E3-499F-8598-945420C44F2A}"/>
+                <a16:creationId xmlns:a16="http://schemas.microsoft.com/office/drawing/2014/main" xmlns="" id="{0E0BAE43-37E3-499F-8598-945420C44F2A}"/>
               </a:ext>
             </a:extLst>
           </p:cNvPr>
@@ -13403,6 +13677,13 @@
   <p:clrMapOvr>
     <a:masterClrMapping/>
   </p:clrMapOvr>
+  <p:timing>
+    <p:tnLst>
+      <p:par>
+        <p:cTn id="1" dur="indefinite" restart="never" nodeType="tmRoot"/>
+      </p:par>
+    </p:tnLst>
+  </p:timing>
 </p:sld>
 </file>
 
@@ -13436,10 +13717,10 @@
           <p:cNvPr id="34" name="Rectangle 33">
             <a:extLst>
               <a:ext uri="{FF2B5EF4-FFF2-40B4-BE49-F238E27FC236}">
-                <a16:creationId xmlns:a16="http://schemas.microsoft.com/office/drawing/2014/main" id="{76EFD3D9-44F0-4267-BCC1-1613E79D8274}"/>
+                <a16:creationId xmlns:a16="http://schemas.microsoft.com/office/drawing/2014/main" xmlns="" id="{76EFD3D9-44F0-4267-BCC1-1613E79D8274}"/>
               </a:ext>
               <a:ext uri="{C183D7F6-B498-43B3-948B-1728B52AA6E4}">
-                <adec:decorative xmlns:adec="http://schemas.microsoft.com/office/drawing/2017/decorative" val="1"/>
+                <adec:decorative xmlns:adec="http://schemas.microsoft.com/office/drawing/2017/decorative" xmlns="" val="1"/>
               </a:ext>
             </a:extLst>
           </p:cNvPr>
@@ -13449,7 +13730,7 @@
           <p:nvPr>
             <p:extLst>
               <p:ext uri="{386F3935-93C4-4BCD-93E2-E3B085C9AB24}">
-                <p16:designElem xmlns:p16="http://schemas.microsoft.com/office/powerpoint/2015/main" val="1"/>
+                <p16:designElem xmlns:p16="http://schemas.microsoft.com/office/powerpoint/2015/main" xmlns="" val="1"/>
               </p:ext>
             </p:extLst>
           </p:nvPr>
@@ -13496,10 +13777,10 @@
           <p:cNvPr id="36" name="Freeform 6">
             <a:extLst>
               <a:ext uri="{FF2B5EF4-FFF2-40B4-BE49-F238E27FC236}">
-                <a16:creationId xmlns:a16="http://schemas.microsoft.com/office/drawing/2014/main" id="{A779A851-95D6-41AF-937A-B0E4B7F6FA8D}"/>
+                <a16:creationId xmlns:a16="http://schemas.microsoft.com/office/drawing/2014/main" xmlns="" id="{A779A851-95D6-41AF-937A-B0E4B7F6FA8D}"/>
               </a:ext>
               <a:ext uri="{C183D7F6-B498-43B3-948B-1728B52AA6E4}">
-                <adec:decorative xmlns:adec="http://schemas.microsoft.com/office/drawing/2017/decorative" val="1"/>
+                <adec:decorative xmlns:adec="http://schemas.microsoft.com/office/drawing/2017/decorative" xmlns="" val="1"/>
               </a:ext>
             </a:extLst>
           </p:cNvPr>
@@ -13509,7 +13790,7 @@
           <p:nvPr>
             <p:extLst>
               <p:ext uri="{386F3935-93C4-4BCD-93E2-E3B085C9AB24}">
-                <p16:designElem xmlns:p16="http://schemas.microsoft.com/office/powerpoint/2015/main" val="1"/>
+                <p16:designElem xmlns:p16="http://schemas.microsoft.com/office/powerpoint/2015/main" xmlns="" val="1"/>
               </p:ext>
             </p:extLst>
           </p:nvPr>
@@ -13599,10 +13880,10 @@
           <p:cNvPr id="38" name="Freeform 7">
             <a:extLst>
               <a:ext uri="{FF2B5EF4-FFF2-40B4-BE49-F238E27FC236}">
-                <a16:creationId xmlns:a16="http://schemas.microsoft.com/office/drawing/2014/main" id="{953FB2E7-B6CB-429C-81EB-D9516D6D5C8D}"/>
+                <a16:creationId xmlns:a16="http://schemas.microsoft.com/office/drawing/2014/main" xmlns="" id="{953FB2E7-B6CB-429C-81EB-D9516D6D5C8D}"/>
               </a:ext>
               <a:ext uri="{C183D7F6-B498-43B3-948B-1728B52AA6E4}">
-                <adec:decorative xmlns:adec="http://schemas.microsoft.com/office/drawing/2017/decorative" val="1"/>
+                <adec:decorative xmlns:adec="http://schemas.microsoft.com/office/drawing/2017/decorative" xmlns="" val="1"/>
               </a:ext>
             </a:extLst>
           </p:cNvPr>
@@ -13612,7 +13893,7 @@
           <p:nvPr>
             <p:extLst>
               <p:ext uri="{386F3935-93C4-4BCD-93E2-E3B085C9AB24}">
-                <p16:designElem xmlns:p16="http://schemas.microsoft.com/office/powerpoint/2015/main" val="1"/>
+                <p16:designElem xmlns:p16="http://schemas.microsoft.com/office/powerpoint/2015/main" xmlns="" val="1"/>
               </p:ext>
             </p:extLst>
           </p:nvPr>
@@ -13702,10 +13983,10 @@
           <p:cNvPr id="40" name="Freeform: Shape 39">
             <a:extLst>
               <a:ext uri="{FF2B5EF4-FFF2-40B4-BE49-F238E27FC236}">
-                <a16:creationId xmlns:a16="http://schemas.microsoft.com/office/drawing/2014/main" id="{2EC40DB1-B719-4A13-9A4D-0966B4B27866}"/>
+                <a16:creationId xmlns:a16="http://schemas.microsoft.com/office/drawing/2014/main" xmlns="" id="{2EC40DB1-B719-4A13-9A4D-0966B4B27866}"/>
               </a:ext>
               <a:ext uri="{C183D7F6-B498-43B3-948B-1728B52AA6E4}">
-                <adec:decorative xmlns:adec="http://schemas.microsoft.com/office/drawing/2017/decorative" val="1"/>
+                <adec:decorative xmlns:adec="http://schemas.microsoft.com/office/drawing/2017/decorative" xmlns="" val="1"/>
               </a:ext>
             </a:extLst>
           </p:cNvPr>
@@ -13715,7 +13996,7 @@
           <p:nvPr>
             <p:extLst>
               <p:ext uri="{386F3935-93C4-4BCD-93E2-E3B085C9AB24}">
-                <p16:designElem xmlns:p16="http://schemas.microsoft.com/office/powerpoint/2015/main" val="1"/>
+                <p16:designElem xmlns:p16="http://schemas.microsoft.com/office/powerpoint/2015/main" xmlns="" val="1"/>
               </p:ext>
             </p:extLst>
           </p:nvPr>
@@ -13812,7 +14093,7 @@
           <p:cNvPr id="2" name="Title 1">
             <a:extLst>
               <a:ext uri="{FF2B5EF4-FFF2-40B4-BE49-F238E27FC236}">
-                <a16:creationId xmlns:a16="http://schemas.microsoft.com/office/drawing/2014/main" id="{52BBAB97-8350-43AB-8B3C-3A06A3FA87BF}"/>
+                <a16:creationId xmlns:a16="http://schemas.microsoft.com/office/drawing/2014/main" xmlns="" id="{52BBAB97-8350-43AB-8B3C-3A06A3FA87BF}"/>
               </a:ext>
             </a:extLst>
           </p:cNvPr>
@@ -13853,10 +14134,10 @@
           <p:cNvPr id="42" name="Rectangle 8">
             <a:extLst>
               <a:ext uri="{FF2B5EF4-FFF2-40B4-BE49-F238E27FC236}">
-                <a16:creationId xmlns:a16="http://schemas.microsoft.com/office/drawing/2014/main" id="{82211336-CFF3-412D-868A-6679C1004C45}"/>
+                <a16:creationId xmlns:a16="http://schemas.microsoft.com/office/drawing/2014/main" xmlns="" id="{82211336-CFF3-412D-868A-6679C1004C45}"/>
               </a:ext>
               <a:ext uri="{C183D7F6-B498-43B3-948B-1728B52AA6E4}">
-                <adec:decorative xmlns:adec="http://schemas.microsoft.com/office/drawing/2017/decorative" val="1"/>
+                <adec:decorative xmlns:adec="http://schemas.microsoft.com/office/drawing/2017/decorative" xmlns="" val="1"/>
               </a:ext>
             </a:extLst>
           </p:cNvPr>
@@ -13866,7 +14147,7 @@
           <p:nvPr>
             <p:extLst>
               <p:ext uri="{386F3935-93C4-4BCD-93E2-E3B085C9AB24}">
-                <p16:designElem xmlns:p16="http://schemas.microsoft.com/office/powerpoint/2015/main" val="1"/>
+                <p16:designElem xmlns:p16="http://schemas.microsoft.com/office/powerpoint/2015/main" xmlns="" val="1"/>
               </p:ext>
             </p:extLst>
           </p:nvPr>
@@ -13903,7 +14184,7 @@
           <p:cNvPr id="3" name="TextBox 2">
             <a:extLst>
               <a:ext uri="{FF2B5EF4-FFF2-40B4-BE49-F238E27FC236}">
-                <a16:creationId xmlns:a16="http://schemas.microsoft.com/office/drawing/2014/main" id="{526AC337-A9BE-4134-B7D8-2A8112F04A1C}"/>
+                <a16:creationId xmlns:a16="http://schemas.microsoft.com/office/drawing/2014/main" xmlns="" id="{526AC337-A9BE-4134-B7D8-2A8112F04A1C}"/>
               </a:ext>
             </a:extLst>
           </p:cNvPr>
@@ -14183,6 +14464,13 @@
   <p:clrMapOvr>
     <a:masterClrMapping/>
   </p:clrMapOvr>
+  <p:timing>
+    <p:tnLst>
+      <p:par>
+        <p:cTn id="1" dur="indefinite" restart="never" nodeType="tmRoot"/>
+      </p:par>
+    </p:tnLst>
+  </p:timing>
 </p:sld>
 </file>
 
@@ -14216,10 +14504,10 @@
           <p:cNvPr id="33" name="Rectangle 35">
             <a:extLst>
               <a:ext uri="{FF2B5EF4-FFF2-40B4-BE49-F238E27FC236}">
-                <a16:creationId xmlns:a16="http://schemas.microsoft.com/office/drawing/2014/main" id="{827B839B-9ADE-406B-8590-F1CAEDED45A1}"/>
+                <a16:creationId xmlns:a16="http://schemas.microsoft.com/office/drawing/2014/main" xmlns="" id="{827B839B-9ADE-406B-8590-F1CAEDED45A1}"/>
               </a:ext>
               <a:ext uri="{C183D7F6-B498-43B3-948B-1728B52AA6E4}">
-                <adec:decorative xmlns:adec="http://schemas.microsoft.com/office/drawing/2017/decorative" val="1"/>
+                <adec:decorative xmlns:adec="http://schemas.microsoft.com/office/drawing/2017/decorative" xmlns="" val="1"/>
               </a:ext>
             </a:extLst>
           </p:cNvPr>
@@ -14229,7 +14517,7 @@
           <p:nvPr>
             <p:extLst>
               <p:ext uri="{386F3935-93C4-4BCD-93E2-E3B085C9AB24}">
-                <p16:designElem xmlns:p16="http://schemas.microsoft.com/office/powerpoint/2015/main" val="1"/>
+                <p16:designElem xmlns:p16="http://schemas.microsoft.com/office/powerpoint/2015/main" xmlns="" val="1"/>
               </p:ext>
             </p:extLst>
           </p:nvPr>
@@ -14276,10 +14564,10 @@
           <p:cNvPr id="35" name="Freeform 45">
             <a:extLst>
               <a:ext uri="{FF2B5EF4-FFF2-40B4-BE49-F238E27FC236}">
-                <a16:creationId xmlns:a16="http://schemas.microsoft.com/office/drawing/2014/main" id="{CFE45BF0-46DB-408C-B5F7-7B11716805D4}"/>
+                <a16:creationId xmlns:a16="http://schemas.microsoft.com/office/drawing/2014/main" xmlns="" id="{CFE45BF0-46DB-408C-B5F7-7B11716805D4}"/>
               </a:ext>
               <a:ext uri="{C183D7F6-B498-43B3-948B-1728B52AA6E4}">
-                <adec:decorative xmlns:adec="http://schemas.microsoft.com/office/drawing/2017/decorative" val="1"/>
+                <adec:decorative xmlns:adec="http://schemas.microsoft.com/office/drawing/2017/decorative" xmlns="" val="1"/>
               </a:ext>
             </a:extLst>
           </p:cNvPr>
@@ -14289,7 +14577,7 @@
           <p:nvPr>
             <p:extLst>
               <p:ext uri="{386F3935-93C4-4BCD-93E2-E3B085C9AB24}">
-                <p16:designElem xmlns:p16="http://schemas.microsoft.com/office/powerpoint/2015/main" val="1"/>
+                <p16:designElem xmlns:p16="http://schemas.microsoft.com/office/powerpoint/2015/main" xmlns="" val="1"/>
               </p:ext>
             </p:extLst>
           </p:nvPr>
@@ -14379,10 +14667,10 @@
           <p:cNvPr id="37" name="Freeform 46">
             <a:extLst>
               <a:ext uri="{FF2B5EF4-FFF2-40B4-BE49-F238E27FC236}">
-                <a16:creationId xmlns:a16="http://schemas.microsoft.com/office/drawing/2014/main" id="{2AEBC8F2-97B1-41B4-93F1-2D289E197FBA}"/>
+                <a16:creationId xmlns:a16="http://schemas.microsoft.com/office/drawing/2014/main" xmlns="" id="{2AEBC8F2-97B1-41B4-93F1-2D289E197FBA}"/>
               </a:ext>
               <a:ext uri="{C183D7F6-B498-43B3-948B-1728B52AA6E4}">
-                <adec:decorative xmlns:adec="http://schemas.microsoft.com/office/drawing/2017/decorative" val="1"/>
+                <adec:decorative xmlns:adec="http://schemas.microsoft.com/office/drawing/2017/decorative" xmlns="" val="1"/>
               </a:ext>
             </a:extLst>
           </p:cNvPr>
@@ -14392,7 +14680,7 @@
           <p:nvPr>
             <p:extLst>
               <p:ext uri="{386F3935-93C4-4BCD-93E2-E3B085C9AB24}">
-                <p16:designElem xmlns:p16="http://schemas.microsoft.com/office/powerpoint/2015/main" val="1"/>
+                <p16:designElem xmlns:p16="http://schemas.microsoft.com/office/powerpoint/2015/main" xmlns="" val="1"/>
               </p:ext>
             </p:extLst>
           </p:nvPr>
@@ -14482,10 +14770,10 @@
           <p:cNvPr id="39" name="Freeform 47">
             <a:extLst>
               <a:ext uri="{FF2B5EF4-FFF2-40B4-BE49-F238E27FC236}">
-                <a16:creationId xmlns:a16="http://schemas.microsoft.com/office/drawing/2014/main" id="{472E3A19-F5D5-48FC-BB9C-48C2F68F598B}"/>
+                <a16:creationId xmlns:a16="http://schemas.microsoft.com/office/drawing/2014/main" xmlns="" id="{472E3A19-F5D5-48FC-BB9C-48C2F68F598B}"/>
               </a:ext>
               <a:ext uri="{C183D7F6-B498-43B3-948B-1728B52AA6E4}">
-                <adec:decorative xmlns:adec="http://schemas.microsoft.com/office/drawing/2017/decorative" val="1"/>
+                <adec:decorative xmlns:adec="http://schemas.microsoft.com/office/drawing/2017/decorative" xmlns="" val="1"/>
               </a:ext>
             </a:extLst>
           </p:cNvPr>
@@ -14495,7 +14783,7 @@
           <p:nvPr>
             <p:extLst>
               <p:ext uri="{386F3935-93C4-4BCD-93E2-E3B085C9AB24}">
-                <p16:designElem xmlns:p16="http://schemas.microsoft.com/office/powerpoint/2015/main" val="1"/>
+                <p16:designElem xmlns:p16="http://schemas.microsoft.com/office/powerpoint/2015/main" xmlns="" val="1"/>
               </p:ext>
             </p:extLst>
           </p:nvPr>
@@ -14585,10 +14873,10 @@
           <p:cNvPr id="44" name="Freeform 44">
             <a:extLst>
               <a:ext uri="{FF2B5EF4-FFF2-40B4-BE49-F238E27FC236}">
-                <a16:creationId xmlns:a16="http://schemas.microsoft.com/office/drawing/2014/main" id="{7A62E32F-BB65-43A8-8EB5-92346890E549}"/>
+                <a16:creationId xmlns:a16="http://schemas.microsoft.com/office/drawing/2014/main" xmlns="" id="{7A62E32F-BB65-43A8-8EB5-92346890E549}"/>
               </a:ext>
               <a:ext uri="{C183D7F6-B498-43B3-948B-1728B52AA6E4}">
-                <adec:decorative xmlns:adec="http://schemas.microsoft.com/office/drawing/2017/decorative" val="1"/>
+                <adec:decorative xmlns:adec="http://schemas.microsoft.com/office/drawing/2017/decorative" xmlns="" val="1"/>
               </a:ext>
             </a:extLst>
           </p:cNvPr>
@@ -14598,7 +14886,7 @@
           <p:nvPr>
             <p:extLst>
               <p:ext uri="{386F3935-93C4-4BCD-93E2-E3B085C9AB24}">
-                <p16:designElem xmlns:p16="http://schemas.microsoft.com/office/powerpoint/2015/main" val="1"/>
+                <p16:designElem xmlns:p16="http://schemas.microsoft.com/office/powerpoint/2015/main" xmlns="" val="1"/>
               </p:ext>
             </p:extLst>
           </p:nvPr>
@@ -14688,10 +14976,10 @@
           <p:cNvPr id="46" name="Rectangle 45">
             <a:extLst>
               <a:ext uri="{FF2B5EF4-FFF2-40B4-BE49-F238E27FC236}">
-                <a16:creationId xmlns:a16="http://schemas.microsoft.com/office/drawing/2014/main" id="{14E91B64-9FCC-451E-AFB4-A827D6329367}"/>
+                <a16:creationId xmlns:a16="http://schemas.microsoft.com/office/drawing/2014/main" xmlns="" id="{14E91B64-9FCC-451E-AFB4-A827D6329367}"/>
               </a:ext>
               <a:ext uri="{C183D7F6-B498-43B3-948B-1728B52AA6E4}">
-                <adec:decorative xmlns:adec="http://schemas.microsoft.com/office/drawing/2017/decorative" val="1"/>
+                <adec:decorative xmlns:adec="http://schemas.microsoft.com/office/drawing/2017/decorative" xmlns="" val="1"/>
               </a:ext>
             </a:extLst>
           </p:cNvPr>
@@ -14701,7 +14989,7 @@
           <p:nvPr>
             <p:extLst>
               <p:ext uri="{386F3935-93C4-4BCD-93E2-E3B085C9AB24}">
-                <p16:designElem xmlns:p16="http://schemas.microsoft.com/office/powerpoint/2015/main" val="1"/>
+                <p16:designElem xmlns:p16="http://schemas.microsoft.com/office/powerpoint/2015/main" xmlns="" val="1"/>
               </p:ext>
             </p:extLst>
           </p:nvPr>
@@ -14738,7 +15026,7 @@
           <p:cNvPr id="2" name="Title 1">
             <a:extLst>
               <a:ext uri="{FF2B5EF4-FFF2-40B4-BE49-F238E27FC236}">
-                <a16:creationId xmlns:a16="http://schemas.microsoft.com/office/drawing/2014/main" id="{5B7E6F51-8609-4A0B-B3F3-1562D5F0DB77}"/>
+                <a16:creationId xmlns:a16="http://schemas.microsoft.com/office/drawing/2014/main" xmlns="" id="{5B7E6F51-8609-4A0B-B3F3-1562D5F0DB77}"/>
               </a:ext>
             </a:extLst>
           </p:cNvPr>
@@ -14779,7 +15067,7 @@
           <p:cNvPr id="3" name="TextBox 2">
             <a:extLst>
               <a:ext uri="{FF2B5EF4-FFF2-40B4-BE49-F238E27FC236}">
-                <a16:creationId xmlns:a16="http://schemas.microsoft.com/office/drawing/2014/main" id="{1F3EAE09-D312-4D99-B2F5-741A3AC995A7}"/>
+                <a16:creationId xmlns:a16="http://schemas.microsoft.com/office/drawing/2014/main" xmlns="" id="{1F3EAE09-D312-4D99-B2F5-741A3AC995A7}"/>
               </a:ext>
             </a:extLst>
           </p:cNvPr>
@@ -15013,6 +15301,13 @@
   <p:clrMapOvr>
     <a:masterClrMapping/>
   </p:clrMapOvr>
+  <p:timing>
+    <p:tnLst>
+      <p:par>
+        <p:cTn id="1" dur="indefinite" restart="never" nodeType="tmRoot"/>
+      </p:par>
+    </p:tnLst>
+  </p:timing>
 </p:sld>
 </file>
 
@@ -15046,10 +15341,10 @@
           <p:cNvPr id="37" name="Rectangle 39">
             <a:extLst>
               <a:ext uri="{FF2B5EF4-FFF2-40B4-BE49-F238E27FC236}">
-                <a16:creationId xmlns:a16="http://schemas.microsoft.com/office/drawing/2014/main" id="{6A1473A6-3F22-483E-8A30-80B9D2B14592}"/>
+                <a16:creationId xmlns:a16="http://schemas.microsoft.com/office/drawing/2014/main" xmlns="" id="{6A1473A6-3F22-483E-8A30-80B9D2B14592}"/>
               </a:ext>
               <a:ext uri="{C183D7F6-B498-43B3-948B-1728B52AA6E4}">
-                <adec:decorative xmlns:adec="http://schemas.microsoft.com/office/drawing/2017/decorative" val="1"/>
+                <adec:decorative xmlns:adec="http://schemas.microsoft.com/office/drawing/2017/decorative" xmlns="" val="1"/>
               </a:ext>
             </a:extLst>
           </p:cNvPr>
@@ -15059,7 +15354,7 @@
           <p:nvPr>
             <p:extLst>
               <p:ext uri="{386F3935-93C4-4BCD-93E2-E3B085C9AB24}">
-                <p16:designElem xmlns:p16="http://schemas.microsoft.com/office/powerpoint/2015/main" val="1"/>
+                <p16:designElem xmlns:p16="http://schemas.microsoft.com/office/powerpoint/2015/main" xmlns="" val="1"/>
               </p:ext>
             </p:extLst>
           </p:nvPr>
@@ -15106,10 +15401,10 @@
           <p:cNvPr id="38" name="Group 41">
             <a:extLst>
               <a:ext uri="{FF2B5EF4-FFF2-40B4-BE49-F238E27FC236}">
-                <a16:creationId xmlns:a16="http://schemas.microsoft.com/office/drawing/2014/main" id="{AA1375E3-3E53-4D75-BAB7-E5929BFCB25F}"/>
+                <a16:creationId xmlns:a16="http://schemas.microsoft.com/office/drawing/2014/main" xmlns="" id="{AA1375E3-3E53-4D75-BAB7-E5929BFCB25F}"/>
               </a:ext>
               <a:ext uri="{C183D7F6-B498-43B3-948B-1728B52AA6E4}">
-                <adec:decorative xmlns:adec="http://schemas.microsoft.com/office/drawing/2017/decorative" val="1"/>
+                <adec:decorative xmlns:adec="http://schemas.microsoft.com/office/drawing/2017/decorative" xmlns="" val="1"/>
               </a:ext>
             </a:extLst>
           </p:cNvPr>
@@ -15119,7 +15414,7 @@
           <p:nvPr>
             <p:extLst>
               <p:ext uri="{386F3935-93C4-4BCD-93E2-E3B085C9AB24}">
-                <p16:designElem xmlns:p16="http://schemas.microsoft.com/office/powerpoint/2015/main" val="1"/>
+                <p16:designElem xmlns:p16="http://schemas.microsoft.com/office/powerpoint/2015/main" xmlns="" val="1"/>
               </p:ext>
             </p:extLst>
           </p:nvPr>
@@ -15137,10 +15432,10 @@
             <p:cNvPr id="43" name="Freeform 6">
               <a:extLst>
                 <a:ext uri="{FF2B5EF4-FFF2-40B4-BE49-F238E27FC236}">
-                  <a16:creationId xmlns:a16="http://schemas.microsoft.com/office/drawing/2014/main" id="{0BBEEF67-3DDF-46CF-8CD5-EA5F0E4FB07D}"/>
+                  <a16:creationId xmlns:a16="http://schemas.microsoft.com/office/drawing/2014/main" xmlns="" id="{0BBEEF67-3DDF-46CF-8CD5-EA5F0E4FB07D}"/>
                 </a:ext>
                 <a:ext uri="{C183D7F6-B498-43B3-948B-1728B52AA6E4}">
-                  <adec:decorative xmlns:adec="http://schemas.microsoft.com/office/drawing/2017/decorative" val="1"/>
+                  <adec:decorative xmlns:adec="http://schemas.microsoft.com/office/drawing/2017/decorative" xmlns="" val="1"/>
                 </a:ext>
               </a:extLst>
             </p:cNvPr>
@@ -15150,7 +15445,7 @@
             <p:nvPr>
               <p:extLst>
                 <p:ext uri="{386F3935-93C4-4BCD-93E2-E3B085C9AB24}">
-                  <p16:designElem xmlns:p16="http://schemas.microsoft.com/office/powerpoint/2015/main" val="1"/>
+                  <p16:designElem xmlns:p16="http://schemas.microsoft.com/office/powerpoint/2015/main" xmlns="" val="1"/>
                 </p:ext>
               </p:extLst>
             </p:nvPr>
@@ -15240,10 +15535,10 @@
             <p:cNvPr id="39" name="Freeform 7">
               <a:extLst>
                 <a:ext uri="{FF2B5EF4-FFF2-40B4-BE49-F238E27FC236}">
-                  <a16:creationId xmlns:a16="http://schemas.microsoft.com/office/drawing/2014/main" id="{8FAC1C95-F817-487C-B8B2-CF141FBB1C2E}"/>
+                  <a16:creationId xmlns:a16="http://schemas.microsoft.com/office/drawing/2014/main" xmlns="" id="{8FAC1C95-F817-487C-B8B2-CF141FBB1C2E}"/>
                 </a:ext>
                 <a:ext uri="{C183D7F6-B498-43B3-948B-1728B52AA6E4}">
-                  <adec:decorative xmlns:adec="http://schemas.microsoft.com/office/drawing/2017/decorative" val="1"/>
+                  <adec:decorative xmlns:adec="http://schemas.microsoft.com/office/drawing/2017/decorative" xmlns="" val="1"/>
                 </a:ext>
               </a:extLst>
             </p:cNvPr>
@@ -15253,7 +15548,7 @@
             <p:nvPr>
               <p:extLst>
                 <p:ext uri="{386F3935-93C4-4BCD-93E2-E3B085C9AB24}">
-                  <p16:designElem xmlns:p16="http://schemas.microsoft.com/office/powerpoint/2015/main" val="1"/>
+                  <p16:designElem xmlns:p16="http://schemas.microsoft.com/office/powerpoint/2015/main" xmlns="" val="1"/>
                 </p:ext>
               </p:extLst>
             </p:nvPr>
@@ -15343,10 +15638,10 @@
             <p:cNvPr id="45" name="Rectangle 8">
               <a:extLst>
                 <a:ext uri="{FF2B5EF4-FFF2-40B4-BE49-F238E27FC236}">
-                  <a16:creationId xmlns:a16="http://schemas.microsoft.com/office/drawing/2014/main" id="{C2C5363A-D941-4AA1-8D38-D7E44A1E2E01}"/>
+                  <a16:creationId xmlns:a16="http://schemas.microsoft.com/office/drawing/2014/main" xmlns="" id="{C2C5363A-D941-4AA1-8D38-D7E44A1E2E01}"/>
                 </a:ext>
                 <a:ext uri="{C183D7F6-B498-43B3-948B-1728B52AA6E4}">
-                  <adec:decorative xmlns:adec="http://schemas.microsoft.com/office/drawing/2017/decorative" val="1"/>
+                  <adec:decorative xmlns:adec="http://schemas.microsoft.com/office/drawing/2017/decorative" xmlns="" val="1"/>
                 </a:ext>
               </a:extLst>
             </p:cNvPr>
@@ -15356,7 +15651,7 @@
             <p:nvPr>
               <p:extLst>
                 <p:ext uri="{386F3935-93C4-4BCD-93E2-E3B085C9AB24}">
-                  <p16:designElem xmlns:p16="http://schemas.microsoft.com/office/powerpoint/2015/main" val="1"/>
+                  <p16:designElem xmlns:p16="http://schemas.microsoft.com/office/powerpoint/2015/main" xmlns="" val="1"/>
                 </p:ext>
               </p:extLst>
             </p:nvPr>
@@ -15394,7 +15689,7 @@
           <p:cNvPr id="2" name="Title 1">
             <a:extLst>
               <a:ext uri="{FF2B5EF4-FFF2-40B4-BE49-F238E27FC236}">
-                <a16:creationId xmlns:a16="http://schemas.microsoft.com/office/drawing/2014/main" id="{A66E8F6E-9D31-43CC-89C4-C165713690F2}"/>
+                <a16:creationId xmlns:a16="http://schemas.microsoft.com/office/drawing/2014/main" xmlns="" id="{A66E8F6E-9D31-43CC-89C4-C165713690F2}"/>
               </a:ext>
             </a:extLst>
           </p:cNvPr>
@@ -15435,7 +15730,7 @@
           <p:cNvPr id="3" name="TextBox 2">
             <a:extLst>
               <a:ext uri="{FF2B5EF4-FFF2-40B4-BE49-F238E27FC236}">
-                <a16:creationId xmlns:a16="http://schemas.microsoft.com/office/drawing/2014/main" id="{95BFB82D-FCF8-4777-9399-A28C2E054E7C}"/>
+                <a16:creationId xmlns:a16="http://schemas.microsoft.com/office/drawing/2014/main" xmlns="" id="{95BFB82D-FCF8-4777-9399-A28C2E054E7C}"/>
               </a:ext>
             </a:extLst>
           </p:cNvPr>
@@ -15788,6 +16083,13 @@
   <p:clrMapOvr>
     <a:masterClrMapping/>
   </p:clrMapOvr>
+  <p:timing>
+    <p:tnLst>
+      <p:par>
+        <p:cTn id="1" dur="indefinite" restart="never" nodeType="tmRoot"/>
+      </p:par>
+    </p:tnLst>
+  </p:timing>
 </p:sld>
 </file>
 
@@ -15821,7 +16123,7 @@
           <p:cNvPr id="6" name="Picture 6" descr="A screenshot of a cell phone&#10;&#10;Description automatically generated">
             <a:extLst>
               <a:ext uri="{FF2B5EF4-FFF2-40B4-BE49-F238E27FC236}">
-                <a16:creationId xmlns:a16="http://schemas.microsoft.com/office/drawing/2014/main" id="{B5A2D66E-CD44-43A6-88A8-BCA364D8E3B1}"/>
+                <a16:creationId xmlns:a16="http://schemas.microsoft.com/office/drawing/2014/main" xmlns="" id="{B5A2D66E-CD44-43A6-88A8-BCA364D8E3B1}"/>
               </a:ext>
             </a:extLst>
           </p:cNvPr>
@@ -15850,10 +16152,10 @@
           <p:cNvPr id="44" name="Rectangle 45">
             <a:extLst>
               <a:ext uri="{FF2B5EF4-FFF2-40B4-BE49-F238E27FC236}">
-                <a16:creationId xmlns:a16="http://schemas.microsoft.com/office/drawing/2014/main" id="{F5493CFF-E43B-4B10-ACE1-C8A1246629EA}"/>
+                <a16:creationId xmlns:a16="http://schemas.microsoft.com/office/drawing/2014/main" xmlns="" id="{F5493CFF-E43B-4B10-ACE1-C8A1246629EA}"/>
               </a:ext>
               <a:ext uri="{C183D7F6-B498-43B3-948B-1728B52AA6E4}">
-                <adec:decorative xmlns:adec="http://schemas.microsoft.com/office/drawing/2017/decorative" val="1"/>
+                <adec:decorative xmlns:adec="http://schemas.microsoft.com/office/drawing/2017/decorative" xmlns="" val="1"/>
               </a:ext>
             </a:extLst>
           </p:cNvPr>
@@ -15863,7 +16165,7 @@
           <p:nvPr>
             <p:extLst>
               <p:ext uri="{386F3935-93C4-4BCD-93E2-E3B085C9AB24}">
-                <p16:designElem xmlns:p16="http://schemas.microsoft.com/office/powerpoint/2015/main" val="1"/>
+                <p16:designElem xmlns:p16="http://schemas.microsoft.com/office/powerpoint/2015/main" xmlns="" val="1"/>
               </p:ext>
             </p:extLst>
           </p:nvPr>
@@ -15945,7 +16247,7 @@
           <p:cNvPr id="2" name="Title 1">
             <a:extLst>
               <a:ext uri="{FF2B5EF4-FFF2-40B4-BE49-F238E27FC236}">
-                <a16:creationId xmlns:a16="http://schemas.microsoft.com/office/drawing/2014/main" id="{3A2DE84F-5AC9-48AC-89AE-4FE5BDC96AA3}"/>
+                <a16:creationId xmlns:a16="http://schemas.microsoft.com/office/drawing/2014/main" xmlns="" id="{3A2DE84F-5AC9-48AC-89AE-4FE5BDC96AA3}"/>
               </a:ext>
             </a:extLst>
           </p:cNvPr>
@@ -15986,7 +16288,7 @@
           <p:cNvPr id="5" name="TextBox 4">
             <a:extLst>
               <a:ext uri="{FF2B5EF4-FFF2-40B4-BE49-F238E27FC236}">
-                <a16:creationId xmlns:a16="http://schemas.microsoft.com/office/drawing/2014/main" id="{08A33C8A-9963-4F41-A217-65616794DE28}"/>
+                <a16:creationId xmlns:a16="http://schemas.microsoft.com/office/drawing/2014/main" xmlns="" id="{08A33C8A-9963-4F41-A217-65616794DE28}"/>
               </a:ext>
             </a:extLst>
           </p:cNvPr>
@@ -16101,7 +16403,7 @@
                 <a:hlinkClick r:id="rId3">
                   <a:extLst>
                     <a:ext uri="{A12FA001-AC4F-418D-AE19-62706E023703}">
-                      <ahyp:hlinkClr xmlns:ahyp="http://schemas.microsoft.com/office/drawing/2018/hyperlinkcolor" val="tx"/>
+                      <ahyp:hlinkClr xmlns:ahyp="http://schemas.microsoft.com/office/drawing/2018/hyperlinkcolor" xmlns="" val="tx"/>
                     </a:ext>
                   </a:extLst>
                 </a:hlinkClick>
@@ -16254,6 +16556,13 @@
   <p:clrMapOvr>
     <a:masterClrMapping/>
   </p:clrMapOvr>
+  <p:timing>
+    <p:tnLst>
+      <p:par>
+        <p:cTn id="1" dur="indefinite" restart="never" nodeType="tmRoot"/>
+      </p:par>
+    </p:tnLst>
+  </p:timing>
 </p:sld>
 </file>
 
@@ -16287,10 +16596,10 @@
           <p:cNvPr id="6" name="Rectangle 8">
             <a:extLst>
               <a:ext uri="{FF2B5EF4-FFF2-40B4-BE49-F238E27FC236}">
-                <a16:creationId xmlns:a16="http://schemas.microsoft.com/office/drawing/2014/main" id="{D55CD764-972B-4CA5-A885-53E55C63E174}"/>
+                <a16:creationId xmlns:a16="http://schemas.microsoft.com/office/drawing/2014/main" xmlns="" id="{D55CD764-972B-4CA5-A885-53E55C63E174}"/>
               </a:ext>
               <a:ext uri="{C183D7F6-B498-43B3-948B-1728B52AA6E4}">
-                <adec:decorative xmlns:adec="http://schemas.microsoft.com/office/drawing/2017/decorative" val="1"/>
+                <adec:decorative xmlns:adec="http://schemas.microsoft.com/office/drawing/2017/decorative" xmlns="" val="1"/>
               </a:ext>
             </a:extLst>
           </p:cNvPr>
@@ -16300,7 +16609,7 @@
           <p:nvPr>
             <p:extLst>
               <p:ext uri="{386F3935-93C4-4BCD-93E2-E3B085C9AB24}">
-                <p16:designElem xmlns:p16="http://schemas.microsoft.com/office/powerpoint/2015/main" val="1"/>
+                <p16:designElem xmlns:p16="http://schemas.microsoft.com/office/powerpoint/2015/main" xmlns="" val="1"/>
               </p:ext>
             </p:extLst>
           </p:nvPr>
@@ -16347,10 +16656,10 @@
           <p:cNvPr id="7" name="Rectangle 10">
             <a:extLst>
               <a:ext uri="{FF2B5EF4-FFF2-40B4-BE49-F238E27FC236}">
-                <a16:creationId xmlns:a16="http://schemas.microsoft.com/office/drawing/2014/main" id="{34165AB3-7006-4430-BCE3-25476BE13322}"/>
+                <a16:creationId xmlns:a16="http://schemas.microsoft.com/office/drawing/2014/main" xmlns="" id="{34165AB3-7006-4430-BCE3-25476BE13322}"/>
               </a:ext>
               <a:ext uri="{C183D7F6-B498-43B3-948B-1728B52AA6E4}">
-                <adec:decorative xmlns:adec="http://schemas.microsoft.com/office/drawing/2017/decorative" val="1"/>
+                <adec:decorative xmlns:adec="http://schemas.microsoft.com/office/drawing/2017/decorative" xmlns="" val="1"/>
               </a:ext>
             </a:extLst>
           </p:cNvPr>
@@ -16360,7 +16669,7 @@
           <p:nvPr>
             <p:extLst>
               <p:ext uri="{386F3935-93C4-4BCD-93E2-E3B085C9AB24}">
-                <p16:designElem xmlns:p16="http://schemas.microsoft.com/office/powerpoint/2015/main" val="1"/>
+                <p16:designElem xmlns:p16="http://schemas.microsoft.com/office/powerpoint/2015/main" xmlns="" val="1"/>
               </p:ext>
             </p:extLst>
           </p:nvPr>
@@ -16412,7 +16721,7 @@
           <p:cNvPr id="2" name="Title 1">
             <a:extLst>
               <a:ext uri="{FF2B5EF4-FFF2-40B4-BE49-F238E27FC236}">
-                <a16:creationId xmlns:a16="http://schemas.microsoft.com/office/drawing/2014/main" id="{2A9778D7-50EB-44CF-A565-8FA8813FE67C}"/>
+                <a16:creationId xmlns:a16="http://schemas.microsoft.com/office/drawing/2014/main" xmlns="" id="{2A9778D7-50EB-44CF-A565-8FA8813FE67C}"/>
               </a:ext>
             </a:extLst>
           </p:cNvPr>
@@ -16454,10 +16763,10 @@
           <p:cNvPr id="8" name="Group 12">
             <a:extLst>
               <a:ext uri="{FF2B5EF4-FFF2-40B4-BE49-F238E27FC236}">
-                <a16:creationId xmlns:a16="http://schemas.microsoft.com/office/drawing/2014/main" id="{22725F33-435F-480E-996D-205671CDC409}"/>
+                <a16:creationId xmlns:a16="http://schemas.microsoft.com/office/drawing/2014/main" xmlns="" id="{22725F33-435F-480E-996D-205671CDC409}"/>
               </a:ext>
               <a:ext uri="{C183D7F6-B498-43B3-948B-1728B52AA6E4}">
-                <adec:decorative xmlns:adec="http://schemas.microsoft.com/office/drawing/2017/decorative" val="1"/>
+                <adec:decorative xmlns:adec="http://schemas.microsoft.com/office/drawing/2017/decorative" xmlns="" val="1"/>
               </a:ext>
             </a:extLst>
           </p:cNvPr>
@@ -16467,7 +16776,7 @@
           <p:nvPr>
             <p:extLst>
               <p:ext uri="{386F3935-93C4-4BCD-93E2-E3B085C9AB24}">
-                <p16:designElem xmlns:p16="http://schemas.microsoft.com/office/powerpoint/2015/main" val="1"/>
+                <p16:designElem xmlns:p16="http://schemas.microsoft.com/office/powerpoint/2015/main" xmlns="" val="1"/>
               </p:ext>
             </p:extLst>
           </p:nvPr>
@@ -16485,10 +16794,10 @@
             <p:cNvPr id="14" name="Rectangle 64">
               <a:extLst>
                 <a:ext uri="{FF2B5EF4-FFF2-40B4-BE49-F238E27FC236}">
-                  <a16:creationId xmlns:a16="http://schemas.microsoft.com/office/drawing/2014/main" id="{07687CC5-056E-447F-A348-E9196E738B72}"/>
+                  <a16:creationId xmlns:a16="http://schemas.microsoft.com/office/drawing/2014/main" xmlns="" id="{07687CC5-056E-447F-A348-E9196E738B72}"/>
                 </a:ext>
                 <a:ext uri="{C183D7F6-B498-43B3-948B-1728B52AA6E4}">
-                  <adec:decorative xmlns:adec="http://schemas.microsoft.com/office/drawing/2017/decorative" val="1"/>
+                  <adec:decorative xmlns:adec="http://schemas.microsoft.com/office/drawing/2017/decorative" xmlns="" val="1"/>
                 </a:ext>
               </a:extLst>
             </p:cNvPr>
@@ -16496,7 +16805,7 @@
             <p:nvPr>
               <p:extLst>
                 <p:ext uri="{386F3935-93C4-4BCD-93E2-E3B085C9AB24}">
-                  <p16:designElem xmlns:p16="http://schemas.microsoft.com/office/powerpoint/2015/main" val="1"/>
+                  <p16:designElem xmlns:p16="http://schemas.microsoft.com/office/powerpoint/2015/main" xmlns="" val="1"/>
                 </p:ext>
               </p:extLst>
             </p:nvPr>
@@ -16546,10 +16855,10 @@
             <p:cNvPr id="15" name="Rectangle 66">
               <a:extLst>
                 <a:ext uri="{FF2B5EF4-FFF2-40B4-BE49-F238E27FC236}">
-                  <a16:creationId xmlns:a16="http://schemas.microsoft.com/office/drawing/2014/main" id="{4B7194FF-E2A4-49A6-A54A-A0B6A1AC244F}"/>
+                  <a16:creationId xmlns:a16="http://schemas.microsoft.com/office/drawing/2014/main" xmlns="" id="{4B7194FF-E2A4-49A6-A54A-A0B6A1AC244F}"/>
                 </a:ext>
                 <a:ext uri="{C183D7F6-B498-43B3-948B-1728B52AA6E4}">
-                  <adec:decorative xmlns:adec="http://schemas.microsoft.com/office/drawing/2017/decorative" val="1"/>
+                  <adec:decorative xmlns:adec="http://schemas.microsoft.com/office/drawing/2017/decorative" xmlns="" val="1"/>
                 </a:ext>
               </a:extLst>
             </p:cNvPr>
@@ -16557,7 +16866,7 @@
             <p:nvPr>
               <p:extLst>
                 <p:ext uri="{386F3935-93C4-4BCD-93E2-E3B085C9AB24}">
-                  <p16:designElem xmlns:p16="http://schemas.microsoft.com/office/powerpoint/2015/main" val="1"/>
+                  <p16:designElem xmlns:p16="http://schemas.microsoft.com/office/powerpoint/2015/main" xmlns="" val="1"/>
                 </p:ext>
               </p:extLst>
             </p:nvPr>
@@ -16607,10 +16916,10 @@
             <p:cNvPr id="16" name="Rectangle 64">
               <a:extLst>
                 <a:ext uri="{FF2B5EF4-FFF2-40B4-BE49-F238E27FC236}">
-                  <a16:creationId xmlns:a16="http://schemas.microsoft.com/office/drawing/2014/main" id="{7ED6E1D0-56BF-487D-9BD1-5D8FD793894A}"/>
+                  <a16:creationId xmlns:a16="http://schemas.microsoft.com/office/drawing/2014/main" xmlns="" id="{7ED6E1D0-56BF-487D-9BD1-5D8FD793894A}"/>
                 </a:ext>
                 <a:ext uri="{C183D7F6-B498-43B3-948B-1728B52AA6E4}">
-                  <adec:decorative xmlns:adec="http://schemas.microsoft.com/office/drawing/2017/decorative" val="1"/>
+                  <adec:decorative xmlns:adec="http://schemas.microsoft.com/office/drawing/2017/decorative" xmlns="" val="1"/>
                 </a:ext>
               </a:extLst>
             </p:cNvPr>
@@ -16618,7 +16927,7 @@
             <p:nvPr>
               <p:extLst>
                 <p:ext uri="{386F3935-93C4-4BCD-93E2-E3B085C9AB24}">
-                  <p16:designElem xmlns:p16="http://schemas.microsoft.com/office/powerpoint/2015/main" val="1"/>
+                  <p16:designElem xmlns:p16="http://schemas.microsoft.com/office/powerpoint/2015/main" xmlns="" val="1"/>
                 </p:ext>
               </p:extLst>
             </p:nvPr>
@@ -16668,10 +16977,10 @@
             <p:cNvPr id="17" name="Rectangle 66">
               <a:extLst>
                 <a:ext uri="{FF2B5EF4-FFF2-40B4-BE49-F238E27FC236}">
-                  <a16:creationId xmlns:a16="http://schemas.microsoft.com/office/drawing/2014/main" id="{AD27C1B6-91C6-4DFC-99E9-F0B83DC5DCDB}"/>
+                  <a16:creationId xmlns:a16="http://schemas.microsoft.com/office/drawing/2014/main" xmlns="" id="{AD27C1B6-91C6-4DFC-99E9-F0B83DC5DCDB}"/>
                 </a:ext>
                 <a:ext uri="{C183D7F6-B498-43B3-948B-1728B52AA6E4}">
-                  <adec:decorative xmlns:adec="http://schemas.microsoft.com/office/drawing/2017/decorative" val="1"/>
+                  <adec:decorative xmlns:adec="http://schemas.microsoft.com/office/drawing/2017/decorative" xmlns="" val="1"/>
                 </a:ext>
               </a:extLst>
             </p:cNvPr>
@@ -16679,7 +16988,7 @@
             <p:nvPr>
               <p:extLst>
                 <p:ext uri="{386F3935-93C4-4BCD-93E2-E3B085C9AB24}">
-                  <p16:designElem xmlns:p16="http://schemas.microsoft.com/office/powerpoint/2015/main" val="1"/>
+                  <p16:designElem xmlns:p16="http://schemas.microsoft.com/office/powerpoint/2015/main" xmlns="" val="1"/>
                 </p:ext>
               </p:extLst>
             </p:nvPr>
@@ -16729,10 +17038,10 @@
             <p:cNvPr id="18" name="Rectangle 64">
               <a:extLst>
                 <a:ext uri="{FF2B5EF4-FFF2-40B4-BE49-F238E27FC236}">
-                  <a16:creationId xmlns:a16="http://schemas.microsoft.com/office/drawing/2014/main" id="{B4A16B45-8536-4A38-B36E-A26F7ACEDA78}"/>
+                  <a16:creationId xmlns:a16="http://schemas.microsoft.com/office/drawing/2014/main" xmlns="" id="{B4A16B45-8536-4A38-B36E-A26F7ACEDA78}"/>
                 </a:ext>
                 <a:ext uri="{C183D7F6-B498-43B3-948B-1728B52AA6E4}">
-                  <adec:decorative xmlns:adec="http://schemas.microsoft.com/office/drawing/2017/decorative" val="1"/>
+                  <adec:decorative xmlns:adec="http://schemas.microsoft.com/office/drawing/2017/decorative" xmlns="" val="1"/>
                 </a:ext>
               </a:extLst>
             </p:cNvPr>
@@ -16740,7 +17049,7 @@
             <p:nvPr>
               <p:extLst>
                 <p:ext uri="{386F3935-93C4-4BCD-93E2-E3B085C9AB24}">
-                  <p16:designElem xmlns:p16="http://schemas.microsoft.com/office/powerpoint/2015/main" val="1"/>
+                  <p16:designElem xmlns:p16="http://schemas.microsoft.com/office/powerpoint/2015/main" xmlns="" val="1"/>
                 </p:ext>
               </p:extLst>
             </p:nvPr>
@@ -16790,10 +17099,10 @@
             <p:cNvPr id="19" name="Rectangle 66">
               <a:extLst>
                 <a:ext uri="{FF2B5EF4-FFF2-40B4-BE49-F238E27FC236}">
-                  <a16:creationId xmlns:a16="http://schemas.microsoft.com/office/drawing/2014/main" id="{F64F5F52-7BB7-4B43-BB5B-67DB66689557}"/>
+                  <a16:creationId xmlns:a16="http://schemas.microsoft.com/office/drawing/2014/main" xmlns="" id="{F64F5F52-7BB7-4B43-BB5B-67DB66689557}"/>
                 </a:ext>
                 <a:ext uri="{C183D7F6-B498-43B3-948B-1728B52AA6E4}">
-                  <adec:decorative xmlns:adec="http://schemas.microsoft.com/office/drawing/2017/decorative" val="1"/>
+                  <adec:decorative xmlns:adec="http://schemas.microsoft.com/office/drawing/2017/decorative" xmlns="" val="1"/>
                 </a:ext>
               </a:extLst>
             </p:cNvPr>
@@ -16801,7 +17110,7 @@
             <p:nvPr>
               <p:extLst>
                 <p:ext uri="{386F3935-93C4-4BCD-93E2-E3B085C9AB24}">
-                  <p16:designElem xmlns:p16="http://schemas.microsoft.com/office/powerpoint/2015/main" val="1"/>
+                  <p16:designElem xmlns:p16="http://schemas.microsoft.com/office/powerpoint/2015/main" xmlns="" val="1"/>
                 </p:ext>
               </p:extLst>
             </p:nvPr>
@@ -16851,10 +17160,10 @@
             <p:cNvPr id="20" name="Rectangle 64">
               <a:extLst>
                 <a:ext uri="{FF2B5EF4-FFF2-40B4-BE49-F238E27FC236}">
-                  <a16:creationId xmlns:a16="http://schemas.microsoft.com/office/drawing/2014/main" id="{789C00E1-E374-485E-A40E-BCF0E6C8ADF4}"/>
+                  <a16:creationId xmlns:a16="http://schemas.microsoft.com/office/drawing/2014/main" xmlns="" id="{789C00E1-E374-485E-A40E-BCF0E6C8ADF4}"/>
                 </a:ext>
                 <a:ext uri="{C183D7F6-B498-43B3-948B-1728B52AA6E4}">
-                  <adec:decorative xmlns:adec="http://schemas.microsoft.com/office/drawing/2017/decorative" val="1"/>
+                  <adec:decorative xmlns:adec="http://schemas.microsoft.com/office/drawing/2017/decorative" xmlns="" val="1"/>
                 </a:ext>
               </a:extLst>
             </p:cNvPr>
@@ -16862,7 +17171,7 @@
             <p:nvPr>
               <p:extLst>
                 <p:ext uri="{386F3935-93C4-4BCD-93E2-E3B085C9AB24}">
-                  <p16:designElem xmlns:p16="http://schemas.microsoft.com/office/powerpoint/2015/main" val="1"/>
+                  <p16:designElem xmlns:p16="http://schemas.microsoft.com/office/powerpoint/2015/main" xmlns="" val="1"/>
                 </p:ext>
               </p:extLst>
             </p:nvPr>
@@ -16912,10 +17221,10 @@
             <p:cNvPr id="21" name="Rectangle 66">
               <a:extLst>
                 <a:ext uri="{FF2B5EF4-FFF2-40B4-BE49-F238E27FC236}">
-                  <a16:creationId xmlns:a16="http://schemas.microsoft.com/office/drawing/2014/main" id="{9AEDDA19-1BE9-4BD1-A087-110713905691}"/>
+                  <a16:creationId xmlns:a16="http://schemas.microsoft.com/office/drawing/2014/main" xmlns="" id="{9AEDDA19-1BE9-4BD1-A087-110713905691}"/>
                 </a:ext>
                 <a:ext uri="{C183D7F6-B498-43B3-948B-1728B52AA6E4}">
-                  <adec:decorative xmlns:adec="http://schemas.microsoft.com/office/drawing/2017/decorative" val="1"/>
+                  <adec:decorative xmlns:adec="http://schemas.microsoft.com/office/drawing/2017/decorative" xmlns="" val="1"/>
                 </a:ext>
               </a:extLst>
             </p:cNvPr>
@@ -16923,7 +17232,7 @@
             <p:nvPr>
               <p:extLst>
                 <p:ext uri="{386F3935-93C4-4BCD-93E2-E3B085C9AB24}">
-                  <p16:designElem xmlns:p16="http://schemas.microsoft.com/office/powerpoint/2015/main" val="1"/>
+                  <p16:designElem xmlns:p16="http://schemas.microsoft.com/office/powerpoint/2015/main" xmlns="" val="1"/>
                 </p:ext>
               </p:extLst>
             </p:nvPr>
@@ -16973,10 +17282,10 @@
             <p:cNvPr id="22" name="Rectangle 64">
               <a:extLst>
                 <a:ext uri="{FF2B5EF4-FFF2-40B4-BE49-F238E27FC236}">
-                  <a16:creationId xmlns:a16="http://schemas.microsoft.com/office/drawing/2014/main" id="{9BF3970B-5A82-4527-AB38-536DF5FCFDC9}"/>
+                  <a16:creationId xmlns:a16="http://schemas.microsoft.com/office/drawing/2014/main" xmlns="" id="{9BF3970B-5A82-4527-AB38-536DF5FCFDC9}"/>
                 </a:ext>
                 <a:ext uri="{C183D7F6-B498-43B3-948B-1728B52AA6E4}">
-                  <adec:decorative xmlns:adec="http://schemas.microsoft.com/office/drawing/2017/decorative" val="1"/>
+                  <adec:decorative xmlns:adec="http://schemas.microsoft.com/office/drawing/2017/decorative" xmlns="" val="1"/>
                 </a:ext>
               </a:extLst>
             </p:cNvPr>
@@ -16984,7 +17293,7 @@
             <p:nvPr>
               <p:extLst>
                 <p:ext uri="{386F3935-93C4-4BCD-93E2-E3B085C9AB24}">
-                  <p16:designElem xmlns:p16="http://schemas.microsoft.com/office/powerpoint/2015/main" val="1"/>
+                  <p16:designElem xmlns:p16="http://schemas.microsoft.com/office/powerpoint/2015/main" xmlns="" val="1"/>
                 </p:ext>
               </p:extLst>
             </p:nvPr>
@@ -17034,10 +17343,10 @@
             <p:cNvPr id="23" name="Rectangle 66">
               <a:extLst>
                 <a:ext uri="{FF2B5EF4-FFF2-40B4-BE49-F238E27FC236}">
-                  <a16:creationId xmlns:a16="http://schemas.microsoft.com/office/drawing/2014/main" id="{B0A9D7D8-F150-43E1-83AD-CE553B3BD74C}"/>
+                  <a16:creationId xmlns:a16="http://schemas.microsoft.com/office/drawing/2014/main" xmlns="" id="{B0A9D7D8-F150-43E1-83AD-CE553B3BD74C}"/>
                 </a:ext>
                 <a:ext uri="{C183D7F6-B498-43B3-948B-1728B52AA6E4}">
-                  <adec:decorative xmlns:adec="http://schemas.microsoft.com/office/drawing/2017/decorative" val="1"/>
+                  <adec:decorative xmlns:adec="http://schemas.microsoft.com/office/drawing/2017/decorative" xmlns="" val="1"/>
                 </a:ext>
               </a:extLst>
             </p:cNvPr>
@@ -17045,7 +17354,7 @@
             <p:nvPr>
               <p:extLst>
                 <p:ext uri="{386F3935-93C4-4BCD-93E2-E3B085C9AB24}">
-                  <p16:designElem xmlns:p16="http://schemas.microsoft.com/office/powerpoint/2015/main" val="1"/>
+                  <p16:designElem xmlns:p16="http://schemas.microsoft.com/office/powerpoint/2015/main" xmlns="" val="1"/>
                 </p:ext>
               </p:extLst>
             </p:nvPr>
@@ -17095,10 +17404,10 @@
             <p:cNvPr id="24" name="Rectangle 64">
               <a:extLst>
                 <a:ext uri="{FF2B5EF4-FFF2-40B4-BE49-F238E27FC236}">
-                  <a16:creationId xmlns:a16="http://schemas.microsoft.com/office/drawing/2014/main" id="{5F94325E-CD9B-4404-A2CF-D130B5387D9E}"/>
+                  <a16:creationId xmlns:a16="http://schemas.microsoft.com/office/drawing/2014/main" xmlns="" id="{5F94325E-CD9B-4404-A2CF-D130B5387D9E}"/>
                 </a:ext>
                 <a:ext uri="{C183D7F6-B498-43B3-948B-1728B52AA6E4}">
-                  <adec:decorative xmlns:adec="http://schemas.microsoft.com/office/drawing/2017/decorative" val="1"/>
+                  <adec:decorative xmlns:adec="http://schemas.microsoft.com/office/drawing/2017/decorative" xmlns="" val="1"/>
                 </a:ext>
               </a:extLst>
             </p:cNvPr>
@@ -17106,7 +17415,7 @@
             <p:nvPr>
               <p:extLst>
                 <p:ext uri="{386F3935-93C4-4BCD-93E2-E3B085C9AB24}">
-                  <p16:designElem xmlns:p16="http://schemas.microsoft.com/office/powerpoint/2015/main" val="1"/>
+                  <p16:designElem xmlns:p16="http://schemas.microsoft.com/office/powerpoint/2015/main" xmlns="" val="1"/>
                 </p:ext>
               </p:extLst>
             </p:nvPr>
@@ -17156,10 +17465,10 @@
             <p:cNvPr id="25" name="Rectangle 66">
               <a:extLst>
                 <a:ext uri="{FF2B5EF4-FFF2-40B4-BE49-F238E27FC236}">
-                  <a16:creationId xmlns:a16="http://schemas.microsoft.com/office/drawing/2014/main" id="{7E5DF248-D56C-4D96-920E-D1FC7FDDA667}"/>
+                  <a16:creationId xmlns:a16="http://schemas.microsoft.com/office/drawing/2014/main" xmlns="" id="{7E5DF248-D56C-4D96-920E-D1FC7FDDA667}"/>
                 </a:ext>
                 <a:ext uri="{C183D7F6-B498-43B3-948B-1728B52AA6E4}">
-                  <adec:decorative xmlns:adec="http://schemas.microsoft.com/office/drawing/2017/decorative" val="1"/>
+                  <adec:decorative xmlns:adec="http://schemas.microsoft.com/office/drawing/2017/decorative" xmlns="" val="1"/>
                 </a:ext>
               </a:extLst>
             </p:cNvPr>
@@ -17167,7 +17476,7 @@
             <p:nvPr>
               <p:extLst>
                 <p:ext uri="{386F3935-93C4-4BCD-93E2-E3B085C9AB24}">
-                  <p16:designElem xmlns:p16="http://schemas.microsoft.com/office/powerpoint/2015/main" val="1"/>
+                  <p16:designElem xmlns:p16="http://schemas.microsoft.com/office/powerpoint/2015/main" xmlns="" val="1"/>
                 </p:ext>
               </p:extLst>
             </p:nvPr>
@@ -17217,10 +17526,10 @@
             <p:cNvPr id="26" name="Rectangle 64">
               <a:extLst>
                 <a:ext uri="{FF2B5EF4-FFF2-40B4-BE49-F238E27FC236}">
-                  <a16:creationId xmlns:a16="http://schemas.microsoft.com/office/drawing/2014/main" id="{C0B1AD48-9001-4AEF-AA30-56CAEC2B7370}"/>
+                  <a16:creationId xmlns:a16="http://schemas.microsoft.com/office/drawing/2014/main" xmlns="" id="{C0B1AD48-9001-4AEF-AA30-56CAEC2B7370}"/>
                 </a:ext>
                 <a:ext uri="{C183D7F6-B498-43B3-948B-1728B52AA6E4}">
-                  <adec:decorative xmlns:adec="http://schemas.microsoft.com/office/drawing/2017/decorative" val="1"/>
+                  <adec:decorative xmlns:adec="http://schemas.microsoft.com/office/drawing/2017/decorative" xmlns="" val="1"/>
                 </a:ext>
               </a:extLst>
             </p:cNvPr>
@@ -17228,7 +17537,7 @@
             <p:nvPr>
               <p:extLst>
                 <p:ext uri="{386F3935-93C4-4BCD-93E2-E3B085C9AB24}">
-                  <p16:designElem xmlns:p16="http://schemas.microsoft.com/office/powerpoint/2015/main" val="1"/>
+                  <p16:designElem xmlns:p16="http://schemas.microsoft.com/office/powerpoint/2015/main" xmlns="" val="1"/>
                 </p:ext>
               </p:extLst>
             </p:nvPr>
@@ -17278,10 +17587,10 @@
             <p:cNvPr id="27" name="Rectangle 66">
               <a:extLst>
                 <a:ext uri="{FF2B5EF4-FFF2-40B4-BE49-F238E27FC236}">
-                  <a16:creationId xmlns:a16="http://schemas.microsoft.com/office/drawing/2014/main" id="{4864399F-6339-4CD7-A92C-52BA2D57AAE5}"/>
+                  <a16:creationId xmlns:a16="http://schemas.microsoft.com/office/drawing/2014/main" xmlns="" id="{4864399F-6339-4CD7-A92C-52BA2D57AAE5}"/>
                 </a:ext>
                 <a:ext uri="{C183D7F6-B498-43B3-948B-1728B52AA6E4}">
-                  <adec:decorative xmlns:adec="http://schemas.microsoft.com/office/drawing/2017/decorative" val="1"/>
+                  <adec:decorative xmlns:adec="http://schemas.microsoft.com/office/drawing/2017/decorative" xmlns="" val="1"/>
                 </a:ext>
               </a:extLst>
             </p:cNvPr>
@@ -17289,7 +17598,7 @@
             <p:nvPr>
               <p:extLst>
                 <p:ext uri="{386F3935-93C4-4BCD-93E2-E3B085C9AB24}">
-                  <p16:designElem xmlns:p16="http://schemas.microsoft.com/office/powerpoint/2015/main" val="1"/>
+                  <p16:designElem xmlns:p16="http://schemas.microsoft.com/office/powerpoint/2015/main" xmlns="" val="1"/>
                 </p:ext>
               </p:extLst>
             </p:nvPr>
@@ -17339,10 +17648,10 @@
             <p:cNvPr id="28" name="Rectangle 64">
               <a:extLst>
                 <a:ext uri="{FF2B5EF4-FFF2-40B4-BE49-F238E27FC236}">
-                  <a16:creationId xmlns:a16="http://schemas.microsoft.com/office/drawing/2014/main" id="{BA4AC9BF-79DA-4D77-8227-BC5CC7563E73}"/>
+                  <a16:creationId xmlns:a16="http://schemas.microsoft.com/office/drawing/2014/main" xmlns="" id="{BA4AC9BF-79DA-4D77-8227-BC5CC7563E73}"/>
                 </a:ext>
                 <a:ext uri="{C183D7F6-B498-43B3-948B-1728B52AA6E4}">
-                  <adec:decorative xmlns:adec="http://schemas.microsoft.com/office/drawing/2017/decorative" val="1"/>
+                  <adec:decorative xmlns:adec="http://schemas.microsoft.com/office/drawing/2017/decorative" xmlns="" val="1"/>
                 </a:ext>
               </a:extLst>
             </p:cNvPr>
@@ -17350,7 +17659,7 @@
             <p:nvPr>
               <p:extLst>
                 <p:ext uri="{386F3935-93C4-4BCD-93E2-E3B085C9AB24}">
-                  <p16:designElem xmlns:p16="http://schemas.microsoft.com/office/powerpoint/2015/main" val="1"/>
+                  <p16:designElem xmlns:p16="http://schemas.microsoft.com/office/powerpoint/2015/main" xmlns="" val="1"/>
                 </p:ext>
               </p:extLst>
             </p:nvPr>
@@ -17400,10 +17709,10 @@
             <p:cNvPr id="29" name="Rectangle 66">
               <a:extLst>
                 <a:ext uri="{FF2B5EF4-FFF2-40B4-BE49-F238E27FC236}">
-                  <a16:creationId xmlns:a16="http://schemas.microsoft.com/office/drawing/2014/main" id="{84310BC6-6BB6-49A0-88BA-4302E8E4F8AF}"/>
+                  <a16:creationId xmlns:a16="http://schemas.microsoft.com/office/drawing/2014/main" xmlns="" id="{84310BC6-6BB6-49A0-88BA-4302E8E4F8AF}"/>
                 </a:ext>
                 <a:ext uri="{C183D7F6-B498-43B3-948B-1728B52AA6E4}">
-                  <adec:decorative xmlns:adec="http://schemas.microsoft.com/office/drawing/2017/decorative" val="1"/>
+                  <adec:decorative xmlns:adec="http://schemas.microsoft.com/office/drawing/2017/decorative" xmlns="" val="1"/>
                 </a:ext>
               </a:extLst>
             </p:cNvPr>
@@ -17411,7 +17720,7 @@
             <p:nvPr>
               <p:extLst>
                 <p:ext uri="{386F3935-93C4-4BCD-93E2-E3B085C9AB24}">
-                  <p16:designElem xmlns:p16="http://schemas.microsoft.com/office/powerpoint/2015/main" val="1"/>
+                  <p16:designElem xmlns:p16="http://schemas.microsoft.com/office/powerpoint/2015/main" xmlns="" val="1"/>
                 </p:ext>
               </p:extLst>
             </p:nvPr>
@@ -17461,10 +17770,10 @@
             <p:cNvPr id="30" name="Rectangle 64">
               <a:extLst>
                 <a:ext uri="{FF2B5EF4-FFF2-40B4-BE49-F238E27FC236}">
-                  <a16:creationId xmlns:a16="http://schemas.microsoft.com/office/drawing/2014/main" id="{4840B5CD-1F12-405E-89D3-92A9D1738934}"/>
+                  <a16:creationId xmlns:a16="http://schemas.microsoft.com/office/drawing/2014/main" xmlns="" id="{4840B5CD-1F12-405E-89D3-92A9D1738934}"/>
                 </a:ext>
                 <a:ext uri="{C183D7F6-B498-43B3-948B-1728B52AA6E4}">
-                  <adec:decorative xmlns:adec="http://schemas.microsoft.com/office/drawing/2017/decorative" val="1"/>
+                  <adec:decorative xmlns:adec="http://schemas.microsoft.com/office/drawing/2017/decorative" xmlns="" val="1"/>
                 </a:ext>
               </a:extLst>
             </p:cNvPr>
@@ -17472,7 +17781,7 @@
             <p:nvPr>
               <p:extLst>
                 <p:ext uri="{386F3935-93C4-4BCD-93E2-E3B085C9AB24}">
-                  <p16:designElem xmlns:p16="http://schemas.microsoft.com/office/powerpoint/2015/main" val="1"/>
+                  <p16:designElem xmlns:p16="http://schemas.microsoft.com/office/powerpoint/2015/main" xmlns="" val="1"/>
                 </p:ext>
               </p:extLst>
             </p:nvPr>
@@ -17522,10 +17831,10 @@
             <p:cNvPr id="31" name="Rectangle 66">
               <a:extLst>
                 <a:ext uri="{FF2B5EF4-FFF2-40B4-BE49-F238E27FC236}">
-                  <a16:creationId xmlns:a16="http://schemas.microsoft.com/office/drawing/2014/main" id="{AD8181A7-FF60-4734-B51C-E622917E1BD0}"/>
+                  <a16:creationId xmlns:a16="http://schemas.microsoft.com/office/drawing/2014/main" xmlns="" id="{AD8181A7-FF60-4734-B51C-E622917E1BD0}"/>
                 </a:ext>
                 <a:ext uri="{C183D7F6-B498-43B3-948B-1728B52AA6E4}">
-                  <adec:decorative xmlns:adec="http://schemas.microsoft.com/office/drawing/2017/decorative" val="1"/>
+                  <adec:decorative xmlns:adec="http://schemas.microsoft.com/office/drawing/2017/decorative" xmlns="" val="1"/>
                 </a:ext>
               </a:extLst>
             </p:cNvPr>
@@ -17533,7 +17842,7 @@
             <p:nvPr>
               <p:extLst>
                 <p:ext uri="{386F3935-93C4-4BCD-93E2-E3B085C9AB24}">
-                  <p16:designElem xmlns:p16="http://schemas.microsoft.com/office/powerpoint/2015/main" val="1"/>
+                  <p16:designElem xmlns:p16="http://schemas.microsoft.com/office/powerpoint/2015/main" xmlns="" val="1"/>
                 </p:ext>
               </p:extLst>
             </p:nvPr>
@@ -17583,10 +17892,10 @@
             <p:cNvPr id="32" name="Rectangle 64">
               <a:extLst>
                 <a:ext uri="{FF2B5EF4-FFF2-40B4-BE49-F238E27FC236}">
-                  <a16:creationId xmlns:a16="http://schemas.microsoft.com/office/drawing/2014/main" id="{BF5BAC90-7E94-452F-B85C-17EB7C248643}"/>
+                  <a16:creationId xmlns:a16="http://schemas.microsoft.com/office/drawing/2014/main" xmlns="" id="{BF5BAC90-7E94-452F-B85C-17EB7C248643}"/>
                 </a:ext>
                 <a:ext uri="{C183D7F6-B498-43B3-948B-1728B52AA6E4}">
-                  <adec:decorative xmlns:adec="http://schemas.microsoft.com/office/drawing/2017/decorative" val="1"/>
+                  <adec:decorative xmlns:adec="http://schemas.microsoft.com/office/drawing/2017/decorative" xmlns="" val="1"/>
                 </a:ext>
               </a:extLst>
             </p:cNvPr>
@@ -17594,7 +17903,7 @@
             <p:nvPr>
               <p:extLst>
                 <p:ext uri="{386F3935-93C4-4BCD-93E2-E3B085C9AB24}">
-                  <p16:designElem xmlns:p16="http://schemas.microsoft.com/office/powerpoint/2015/main" val="1"/>
+                  <p16:designElem xmlns:p16="http://schemas.microsoft.com/office/powerpoint/2015/main" xmlns="" val="1"/>
                 </p:ext>
               </p:extLst>
             </p:nvPr>
@@ -17644,10 +17953,10 @@
             <p:cNvPr id="33" name="Rectangle 66">
               <a:extLst>
                 <a:ext uri="{FF2B5EF4-FFF2-40B4-BE49-F238E27FC236}">
-                  <a16:creationId xmlns:a16="http://schemas.microsoft.com/office/drawing/2014/main" id="{7DABFDCB-F31D-4192-A6C4-9841F0E4E567}"/>
+                  <a16:creationId xmlns:a16="http://schemas.microsoft.com/office/drawing/2014/main" xmlns="" id="{7DABFDCB-F31D-4192-A6C4-9841F0E4E567}"/>
                 </a:ext>
                 <a:ext uri="{C183D7F6-B498-43B3-948B-1728B52AA6E4}">
-                  <adec:decorative xmlns:adec="http://schemas.microsoft.com/office/drawing/2017/decorative" val="1"/>
+                  <adec:decorative xmlns:adec="http://schemas.microsoft.com/office/drawing/2017/decorative" xmlns="" val="1"/>
                 </a:ext>
               </a:extLst>
             </p:cNvPr>
@@ -17655,7 +17964,7 @@
             <p:nvPr>
               <p:extLst>
                 <p:ext uri="{386F3935-93C4-4BCD-93E2-E3B085C9AB24}">
-                  <p16:designElem xmlns:p16="http://schemas.microsoft.com/office/powerpoint/2015/main" val="1"/>
+                  <p16:designElem xmlns:p16="http://schemas.microsoft.com/office/powerpoint/2015/main" xmlns="" val="1"/>
                 </p:ext>
               </p:extLst>
             </p:nvPr>
@@ -17706,10 +18015,10 @@
           <p:cNvPr id="10" name="Rectangle 34">
             <a:extLst>
               <a:ext uri="{FF2B5EF4-FFF2-40B4-BE49-F238E27FC236}">
-                <a16:creationId xmlns:a16="http://schemas.microsoft.com/office/drawing/2014/main" id="{E3E51905-F374-4E1A-97CF-B741584B74D5}"/>
+                <a16:creationId xmlns:a16="http://schemas.microsoft.com/office/drawing/2014/main" xmlns="" id="{E3E51905-F374-4E1A-97CF-B741584B74D5}"/>
               </a:ext>
               <a:ext uri="{C183D7F6-B498-43B3-948B-1728B52AA6E4}">
-                <adec:decorative xmlns:adec="http://schemas.microsoft.com/office/drawing/2017/decorative" val="1"/>
+                <adec:decorative xmlns:adec="http://schemas.microsoft.com/office/drawing/2017/decorative" xmlns="" val="1"/>
               </a:ext>
             </a:extLst>
           </p:cNvPr>
@@ -17719,7 +18028,7 @@
           <p:nvPr>
             <p:extLst>
               <p:ext uri="{386F3935-93C4-4BCD-93E2-E3B085C9AB24}">
-                <p16:designElem xmlns:p16="http://schemas.microsoft.com/office/powerpoint/2015/main" val="1"/>
+                <p16:designElem xmlns:p16="http://schemas.microsoft.com/office/powerpoint/2015/main" xmlns="" val="1"/>
               </p:ext>
             </p:extLst>
           </p:nvPr>
@@ -17772,7 +18081,7 @@
           <p:cNvPr id="12" name="TextBox 2">
             <a:extLst>
               <a:ext uri="{FF2B5EF4-FFF2-40B4-BE49-F238E27FC236}">
-                <a16:creationId xmlns:a16="http://schemas.microsoft.com/office/drawing/2014/main" id="{01B86497-2286-4E9C-BFC8-0586FE68D235}"/>
+                <a16:creationId xmlns:a16="http://schemas.microsoft.com/office/drawing/2014/main" xmlns="" id="{01B86497-2286-4E9C-BFC8-0586FE68D235}"/>
               </a:ext>
             </a:extLst>
           </p:cNvPr>
@@ -17805,6 +18114,13 @@
   <p:clrMapOvr>
     <a:masterClrMapping/>
   </p:clrMapOvr>
+  <p:timing>
+    <p:tnLst>
+      <p:par>
+        <p:cTn id="1" dur="indefinite" restart="never" nodeType="tmRoot"/>
+      </p:par>
+    </p:tnLst>
+  </p:timing>
 </p:sld>
 </file>
 
@@ -18584,18 +18900,18 @@
 </file>
 
 <file path=customXml/item1.xml><?xml version="1.0" encoding="utf-8"?>
-<p:properties xmlns:p="http://schemas.microsoft.com/office/2006/metadata/properties" xmlns:xsi="http://www.w3.org/2001/XMLSchema-instance" xmlns:pc="http://schemas.microsoft.com/office/infopath/2007/PartnerControls">
-  <documentManagement/>
-</p:properties>
-</file>
-
-<file path=customXml/item2.xml><?xml version="1.0" encoding="utf-8"?>
 <?mso-contentType ?>
 <FormTemplates xmlns="http://schemas.microsoft.com/sharepoint/v3/contenttype/forms">
   <Display>DocumentLibraryForm</Display>
   <Edit>DocumentLibraryForm</Edit>
   <New>DocumentLibraryForm</New>
 </FormTemplates>
+</file>
+
+<file path=customXml/item2.xml><?xml version="1.0" encoding="utf-8"?>
+<p:properties xmlns:p="http://schemas.microsoft.com/office/2006/metadata/properties" xmlns:xsi="http://www.w3.org/2001/XMLSchema-instance" xmlns:pc="http://schemas.microsoft.com/office/infopath/2007/PartnerControls">
+  <documentManagement/>
+</p:properties>
 </file>
 
 <file path=customXml/item3.xml><?xml version="1.0" encoding="utf-8"?>
@@ -18764,18 +19080,18 @@
 </file>
 
 <file path=customXml/itemProps1.xml><?xml version="1.0" encoding="utf-8"?>
-<ds:datastoreItem xmlns:ds="http://schemas.openxmlformats.org/officeDocument/2006/customXml" ds:itemID="{9A8C8D7A-37B8-4758-B692-3D16EAB19374}">
+<ds:datastoreItem xmlns:ds="http://schemas.openxmlformats.org/officeDocument/2006/customXml" ds:itemID="{9FF15DDF-B15F-4DBF-8659-074F177E4770}">
   <ds:schemaRefs>
-    <ds:schemaRef ds:uri="http://schemas.microsoft.com/office/2006/metadata/properties"/>
-    <ds:schemaRef ds:uri="http://schemas.microsoft.com/office/infopath/2007/PartnerControls"/>
+    <ds:schemaRef ds:uri="http://schemas.microsoft.com/sharepoint/v3/contenttype/forms"/>
   </ds:schemaRefs>
 </ds:datastoreItem>
 </file>
 
 <file path=customXml/itemProps2.xml><?xml version="1.0" encoding="utf-8"?>
-<ds:datastoreItem xmlns:ds="http://schemas.openxmlformats.org/officeDocument/2006/customXml" ds:itemID="{9FF15DDF-B15F-4DBF-8659-074F177E4770}">
+<ds:datastoreItem xmlns:ds="http://schemas.openxmlformats.org/officeDocument/2006/customXml" ds:itemID="{9A8C8D7A-37B8-4758-B692-3D16EAB19374}">
   <ds:schemaRefs>
-    <ds:schemaRef ds:uri="http://schemas.microsoft.com/sharepoint/v3/contenttype/forms"/>
+    <ds:schemaRef ds:uri="http://schemas.microsoft.com/office/2006/metadata/properties"/>
+    <ds:schemaRef ds:uri="http://schemas.microsoft.com/office/infopath/2007/PartnerControls"/>
   </ds:schemaRefs>
 </ds:datastoreItem>
 </file>
